--- a/English/7.Power BI Services/4.Creating Dashboards.pptx
+++ b/English/7.Power BI Services/4.Creating Dashboards.pptx
@@ -23,7 +23,7 @@
   <p:notesSz cx="6858000" cy="9144000"/>
   <p:defaultTextStyle>
     <a:defPPr>
-      <a:defRPr lang="en-US"/>
+      <a:defRPr lang="en"/>
     </a:defPPr>
     <a:lvl1pPr marL="0" algn="l" defTabSz="914400" rtl="0" eaLnBrk="1" latinLnBrk="0" hangingPunct="1">
       <a:defRPr sz="1800" kern="1200">
@@ -206,7 +206,7 @@
           <a:p>
             <a:fld id="{056BA3B8-9F76-4D81-B71D-76CB85363062}" type="datetimeFigureOut">
               <a:rPr lang="en-US" smtClean="0"/>
-              <a:t>1/6/2025</a:t>
+              <a:t>2/27/2025</a:t>
             </a:fld>
             <a:endParaRPr lang="en-US"/>
           </a:p>
@@ -605,7 +605,7 @@
           <a:p>
             <a:fld id="{6F01DA4D-20EA-48D2-973C-0311EC3005D6}" type="datetimeFigureOut">
               <a:rPr lang="en-US" smtClean="0"/>
-              <a:t>1/6/2025</a:t>
+              <a:t>2/27/2025</a:t>
             </a:fld>
             <a:endParaRPr lang="en-US"/>
           </a:p>
@@ -775,7 +775,7 @@
           <a:p>
             <a:fld id="{6F01DA4D-20EA-48D2-973C-0311EC3005D6}" type="datetimeFigureOut">
               <a:rPr lang="en-US" smtClean="0"/>
-              <a:t>1/6/2025</a:t>
+              <a:t>2/27/2025</a:t>
             </a:fld>
             <a:endParaRPr lang="en-US"/>
           </a:p>
@@ -955,7 +955,7 @@
           <a:p>
             <a:fld id="{6F01DA4D-20EA-48D2-973C-0311EC3005D6}" type="datetimeFigureOut">
               <a:rPr lang="en-US" smtClean="0"/>
-              <a:t>1/6/2025</a:t>
+              <a:t>2/27/2025</a:t>
             </a:fld>
             <a:endParaRPr lang="en-US"/>
           </a:p>
@@ -1125,7 +1125,7 @@
           <a:p>
             <a:fld id="{6F01DA4D-20EA-48D2-973C-0311EC3005D6}" type="datetimeFigureOut">
               <a:rPr lang="en-US" smtClean="0"/>
-              <a:t>1/6/2025</a:t>
+              <a:t>2/27/2025</a:t>
             </a:fld>
             <a:endParaRPr lang="en-US"/>
           </a:p>
@@ -1371,7 +1371,7 @@
           <a:p>
             <a:fld id="{6F01DA4D-20EA-48D2-973C-0311EC3005D6}" type="datetimeFigureOut">
               <a:rPr lang="en-US" smtClean="0"/>
-              <a:t>1/6/2025</a:t>
+              <a:t>2/27/2025</a:t>
             </a:fld>
             <a:endParaRPr lang="en-US"/>
           </a:p>
@@ -1603,7 +1603,7 @@
           <a:p>
             <a:fld id="{6F01DA4D-20EA-48D2-973C-0311EC3005D6}" type="datetimeFigureOut">
               <a:rPr lang="en-US" smtClean="0"/>
-              <a:t>1/6/2025</a:t>
+              <a:t>2/27/2025</a:t>
             </a:fld>
             <a:endParaRPr lang="en-US"/>
           </a:p>
@@ -1970,7 +1970,7 @@
           <a:p>
             <a:fld id="{6F01DA4D-20EA-48D2-973C-0311EC3005D6}" type="datetimeFigureOut">
               <a:rPr lang="en-US" smtClean="0"/>
-              <a:t>1/6/2025</a:t>
+              <a:t>2/27/2025</a:t>
             </a:fld>
             <a:endParaRPr lang="en-US"/>
           </a:p>
@@ -2088,7 +2088,7 @@
           <a:p>
             <a:fld id="{6F01DA4D-20EA-48D2-973C-0311EC3005D6}" type="datetimeFigureOut">
               <a:rPr lang="en-US" smtClean="0"/>
-              <a:t>1/6/2025</a:t>
+              <a:t>2/27/2025</a:t>
             </a:fld>
             <a:endParaRPr lang="en-US"/>
           </a:p>
@@ -2183,7 +2183,7 @@
           <a:p>
             <a:fld id="{6F01DA4D-20EA-48D2-973C-0311EC3005D6}" type="datetimeFigureOut">
               <a:rPr lang="en-US" smtClean="0"/>
-              <a:t>1/6/2025</a:t>
+              <a:t>2/27/2025</a:t>
             </a:fld>
             <a:endParaRPr lang="en-US"/>
           </a:p>
@@ -2460,7 +2460,7 @@
           <a:p>
             <a:fld id="{6F01DA4D-20EA-48D2-973C-0311EC3005D6}" type="datetimeFigureOut">
               <a:rPr lang="en-US" smtClean="0"/>
-              <a:t>1/6/2025</a:t>
+              <a:t>2/27/2025</a:t>
             </a:fld>
             <a:endParaRPr lang="en-US"/>
           </a:p>
@@ -2713,7 +2713,7 @@
           <a:p>
             <a:fld id="{6F01DA4D-20EA-48D2-973C-0311EC3005D6}" type="datetimeFigureOut">
               <a:rPr lang="en-US" smtClean="0"/>
-              <a:t>1/6/2025</a:t>
+              <a:t>2/27/2025</a:t>
             </a:fld>
             <a:endParaRPr lang="en-US"/>
           </a:p>
@@ -2926,7 +2926,7 @@
           <a:p>
             <a:fld id="{6F01DA4D-20EA-48D2-973C-0311EC3005D6}" type="datetimeFigureOut">
               <a:rPr lang="en-US" smtClean="0"/>
-              <a:t>1/6/2025</a:t>
+              <a:t>2/27/2025</a:t>
             </a:fld>
             <a:endParaRPr lang="en-US"/>
           </a:p>
@@ -3361,9 +3361,9 @@
           </a:bodyPr>
           <a:lstStyle/>
           <a:p>
-            <a:pPr algn="ctr"/>
-            <a:r>
-              <a:rPr lang="fr-FR" sz="7200" b="1" dirty="0" err="1" smtClean="0">
+            <a:pPr xmlns:a="http://schemas.openxmlformats.org/drawingml/2006/main" algn="ctr"/>
+            <a:r xmlns:a="http://schemas.openxmlformats.org/drawingml/2006/main">
+              <a:rPr lang="en" sz="7200" b="1" dirty="0" smtClean="0">
                 <a:solidFill>
                   <a:srgbClr val="7030A0"/>
                 </a:solidFill>
@@ -3371,9 +3371,9 @@
                 <a:ea typeface="Verdana" panose="020B0604030504040204" pitchFamily="34" charset="0"/>
                 <a:cs typeface="Segoe UI" panose="020B0502040204020203" pitchFamily="34" charset="0"/>
               </a:rPr>
-              <a:t>Creating</a:t>
-            </a:r>
-            <a:endParaRPr lang="fr-FR" sz="7200" b="1" dirty="0" smtClean="0">
+              <a:t>Create</a:t>
+            </a:r>
+            <a:endParaRPr xmlns:a="http://schemas.openxmlformats.org/drawingml/2006/main" lang="fr-FR" sz="7200" b="1" dirty="0" smtClean="0">
               <a:solidFill>
                 <a:srgbClr val="7030A0"/>
               </a:solidFill>
@@ -3383,9 +3383,9 @@
             </a:endParaRPr>
           </a:p>
           <a:p>
-            <a:pPr algn="ctr"/>
-            <a:r>
-              <a:rPr lang="fr-FR" sz="7200" b="1" dirty="0" err="1" smtClean="0">
+            <a:pPr xmlns:a="http://schemas.openxmlformats.org/drawingml/2006/main" algn="ctr"/>
+            <a:r xmlns:a="http://schemas.openxmlformats.org/drawingml/2006/main">
+              <a:rPr lang="en" sz="7200" b="1" dirty="0" err="1" smtClean="0">
                 <a:solidFill>
                   <a:srgbClr val="7030A0"/>
                 </a:solidFill>
@@ -3395,7 +3395,7 @@
               </a:rPr>
               <a:t>Dashboards</a:t>
             </a:r>
-            <a:endParaRPr lang="en-US" sz="7200" b="1" dirty="0">
+            <a:endParaRPr xmlns:a="http://schemas.openxmlformats.org/drawingml/2006/main" lang="en-US" sz="7200" b="1" dirty="0">
               <a:solidFill>
                 <a:srgbClr val="7030A0"/>
               </a:solidFill>
@@ -3414,7 +3414,7 @@
         </p:nvSpPr>
         <p:spPr>
           <a:xfrm>
-            <a:off x="2724877" y="2010692"/>
+            <a:off x="2724878" y="2005047"/>
             <a:ext cx="6515375" cy="2308324"/>
           </a:xfrm>
           <a:prstGeom prst="rect">
@@ -3428,9 +3428,9 @@
           </a:bodyPr>
           <a:lstStyle/>
           <a:p>
-            <a:pPr algn="ctr"/>
-            <a:r>
-              <a:rPr lang="fr-FR" sz="7200" b="1" dirty="0" err="1" smtClean="0">
+            <a:pPr xmlns:a="http://schemas.openxmlformats.org/drawingml/2006/main" algn="ctr"/>
+            <a:r xmlns:a="http://schemas.openxmlformats.org/drawingml/2006/main">
+              <a:rPr lang="en" sz="7200" b="1" dirty="0" smtClean="0">
                 <a:solidFill>
                   <a:schemeClr val="bg1"/>
                 </a:solidFill>
@@ -3438,9 +3438,9 @@
                 <a:ea typeface="Verdana" panose="020B0604030504040204" pitchFamily="34" charset="0"/>
                 <a:cs typeface="Segoe UI" panose="020B0502040204020203" pitchFamily="34" charset="0"/>
               </a:rPr>
-              <a:t>Creating</a:t>
-            </a:r>
-            <a:endParaRPr lang="fr-FR" sz="7200" b="1" dirty="0" smtClean="0">
+              <a:t>Create</a:t>
+            </a:r>
+            <a:endParaRPr xmlns:a="http://schemas.openxmlformats.org/drawingml/2006/main" lang="fr-FR" sz="7200" b="1" dirty="0" smtClean="0">
               <a:solidFill>
                 <a:schemeClr val="bg1"/>
               </a:solidFill>
@@ -3450,9 +3450,9 @@
             </a:endParaRPr>
           </a:p>
           <a:p>
-            <a:pPr algn="ctr"/>
-            <a:r>
-              <a:rPr lang="fr-FR" sz="7200" b="1" dirty="0" err="1" smtClean="0">
+            <a:pPr xmlns:a="http://schemas.openxmlformats.org/drawingml/2006/main" algn="ctr"/>
+            <a:r xmlns:a="http://schemas.openxmlformats.org/drawingml/2006/main">
+              <a:rPr lang="en" sz="7200" b="1" dirty="0" err="1" smtClean="0">
                 <a:solidFill>
                   <a:schemeClr val="bg1"/>
                 </a:solidFill>
@@ -3462,7 +3462,7 @@
               </a:rPr>
               <a:t>Dashboards</a:t>
             </a:r>
-            <a:endParaRPr lang="en-US" sz="7200" b="1" dirty="0">
+            <a:endParaRPr xmlns:a="http://schemas.openxmlformats.org/drawingml/2006/main" lang="en-US" sz="7200" b="1" dirty="0">
               <a:solidFill>
                 <a:schemeClr val="bg1"/>
               </a:solidFill>
@@ -3558,8 +3558,8 @@
         </p:nvSpPr>
         <p:spPr>
           <a:xfrm>
-            <a:off x="2916199" y="2162433"/>
-            <a:ext cx="6230360" cy="1569660"/>
+            <a:off x="3977355" y="2625277"/>
+            <a:ext cx="3456395" cy="1569660"/>
           </a:xfrm>
           <a:prstGeom prst="rect">
             <a:avLst/>
@@ -3572,8 +3572,8 @@
           </a:bodyPr>
           <a:lstStyle/>
           <a:p>
-            <a:r>
-              <a:rPr lang="en-US" sz="9600" b="1" dirty="0" smtClean="0">
+            <a:r xmlns:a="http://schemas.openxmlformats.org/drawingml/2006/main">
+              <a:rPr lang="en" sz="9600" b="1" dirty="0" smtClean="0">
                 <a:solidFill>
                   <a:srgbClr val="7030A0"/>
                 </a:solidFill>
@@ -3581,9 +3581,9 @@
                 <a:ea typeface="Verdana" panose="020B0604030504040204" pitchFamily="34" charset="0"/>
                 <a:cs typeface="Segoe UI" panose="020B0502040204020203" pitchFamily="34" charset="0"/>
               </a:rPr>
-              <a:t>Thank you</a:t>
-            </a:r>
-            <a:endParaRPr lang="en-US" sz="9600" b="1" dirty="0">
+              <a:t>THANKS</a:t>
+            </a:r>
+            <a:endParaRPr xmlns:a="http://schemas.openxmlformats.org/drawingml/2006/main" lang="en-US" sz="9600" b="1" dirty="0">
               <a:solidFill>
                 <a:srgbClr val="7030A0"/>
               </a:solidFill>
@@ -3596,14 +3596,14 @@
       </p:sp>
       <p:sp>
         <p:nvSpPr>
-          <p:cNvPr id="6" name="TextBox 5"/>
+          <p:cNvPr id="7" name="TextBox 6"/>
           <p:cNvSpPr txBox="1"/>
           <p:nvPr/>
         </p:nvSpPr>
         <p:spPr>
           <a:xfrm>
-            <a:off x="2990336" y="2217861"/>
-            <a:ext cx="6230360" cy="1569660"/>
+            <a:off x="3915266" y="2563188"/>
+            <a:ext cx="3456395" cy="1569660"/>
           </a:xfrm>
           <a:prstGeom prst="rect">
             <a:avLst/>
@@ -3616,8 +3616,8 @@
           </a:bodyPr>
           <a:lstStyle/>
           <a:p>
-            <a:r>
-              <a:rPr lang="en-US" sz="9600" b="1" dirty="0" smtClean="0">
+            <a:r xmlns:a="http://schemas.openxmlformats.org/drawingml/2006/main">
+              <a:rPr lang="en" sz="9600" b="1" dirty="0" smtClean="0">
                 <a:solidFill>
                   <a:schemeClr val="bg1"/>
                 </a:solidFill>
@@ -3625,9 +3625,9 @@
                 <a:ea typeface="Verdana" panose="020B0604030504040204" pitchFamily="34" charset="0"/>
                 <a:cs typeface="Segoe UI" panose="020B0502040204020203" pitchFamily="34" charset="0"/>
               </a:rPr>
-              <a:t>Thank you</a:t>
-            </a:r>
-            <a:endParaRPr lang="en-US" sz="9600" b="1" dirty="0">
+              <a:t>THANKS</a:t>
+            </a:r>
+            <a:endParaRPr xmlns:a="http://schemas.openxmlformats.org/drawingml/2006/main" lang="en-US" sz="9600" b="1" dirty="0">
               <a:solidFill>
                 <a:schemeClr val="bg1"/>
               </a:solidFill>
@@ -3677,7 +3677,7 @@
         <p:spPr>
           <a:xfrm>
             <a:off x="295632" y="275007"/>
-            <a:ext cx="3024289" cy="461665"/>
+            <a:ext cx="2696829" cy="400110"/>
           </a:xfrm>
           <a:prstGeom prst="rect">
             <a:avLst/>
@@ -3690,391 +3690,31 @@
           </a:bodyPr>
           <a:lstStyle/>
           <a:p>
-            <a:r>
-              <a:rPr lang="fr-FR" sz="2400" dirty="0" err="1" smtClean="0">
+            <a:r xmlns:a="http://schemas.openxmlformats.org/drawingml/2006/main">
+              <a:rPr lang="en" sz="2000" b="1" dirty="0" err="1" smtClean="0">
                 <a:latin typeface="Segoe UI" panose="020B0502040204020203" pitchFamily="34" charset="0"/>
                 <a:cs typeface="Segoe UI" panose="020B0502040204020203" pitchFamily="34" charset="0"/>
               </a:rPr>
               <a:t>Creating</a:t>
             </a:r>
-            <a:r>
-              <a:rPr lang="fr-FR" sz="2400" dirty="0" smtClean="0">
+            <a:r xmlns:a="http://schemas.openxmlformats.org/drawingml/2006/main">
+              <a:rPr lang="en" sz="2000" b="1" dirty="0" smtClean="0">
                 <a:latin typeface="Segoe UI" panose="020B0502040204020203" pitchFamily="34" charset="0"/>
                 <a:cs typeface="Segoe UI" panose="020B0502040204020203" pitchFamily="34" charset="0"/>
               </a:rPr>
               <a:t> </a:t>
             </a:r>
-            <a:r>
-              <a:rPr lang="fr-FR" sz="2400" dirty="0" err="1" smtClean="0">
+            <a:r xmlns:a="http://schemas.openxmlformats.org/drawingml/2006/main">
+              <a:rPr lang="en" sz="2000" b="1" dirty="0" err="1" smtClean="0">
                 <a:latin typeface="Segoe UI" panose="020B0502040204020203" pitchFamily="34" charset="0"/>
                 <a:cs typeface="Segoe UI" panose="020B0502040204020203" pitchFamily="34" charset="0"/>
               </a:rPr>
               <a:t>Dashboards</a:t>
             </a:r>
-            <a:endParaRPr lang="en-US" sz="2400" dirty="0">
+            <a:endParaRPr xmlns:a="http://schemas.openxmlformats.org/drawingml/2006/main" lang="en-US" sz="2000" b="1" dirty="0">
               <a:latin typeface="Segoe UI" panose="020B0502040204020203" pitchFamily="34" charset="0"/>
               <a:cs typeface="Segoe UI" panose="020B0502040204020203" pitchFamily="34" charset="0"/>
             </a:endParaRPr>
-          </a:p>
-        </p:txBody>
-      </p:sp>
-      <p:sp>
-        <p:nvSpPr>
-          <p:cNvPr id="6" name="Rectangle 5"/>
-          <p:cNvSpPr/>
-          <p:nvPr/>
-        </p:nvSpPr>
-        <p:spPr>
-          <a:xfrm>
-            <a:off x="335272" y="842587"/>
-            <a:ext cx="11396770" cy="369332"/>
-          </a:xfrm>
-          <a:prstGeom prst="rect">
-            <a:avLst/>
-          </a:prstGeom>
-        </p:spPr>
-        <p:txBody>
-          <a:bodyPr wrap="square">
-            <a:spAutoFit/>
-          </a:bodyPr>
-          <a:lstStyle/>
-          <a:p>
-            <a:r>
-              <a:rPr lang="en-US" b="1" dirty="0" smtClean="0"/>
-              <a:t>Note</a:t>
-            </a:r>
-            <a:r>
-              <a:rPr lang="en-US" dirty="0" smtClean="0"/>
-              <a:t>: This lab requires a </a:t>
-            </a:r>
-            <a:r>
-              <a:rPr lang="en-US" b="1" dirty="0" smtClean="0"/>
-              <a:t>Power BI Services account </a:t>
-            </a:r>
-            <a:r>
-              <a:rPr lang="en-US" dirty="0" smtClean="0"/>
-              <a:t>with administrator privileges </a:t>
-            </a:r>
-            <a:endParaRPr lang="en-US" b="1" dirty="0"/>
-          </a:p>
-        </p:txBody>
-      </p:sp>
-      <p:sp>
-        <p:nvSpPr>
-          <p:cNvPr id="3" name="Rectangle 2"/>
-          <p:cNvSpPr/>
-          <p:nvPr/>
-        </p:nvSpPr>
-        <p:spPr>
-          <a:xfrm>
-            <a:off x="295632" y="1317834"/>
-            <a:ext cx="8805333" cy="1064650"/>
-          </a:xfrm>
-          <a:prstGeom prst="rect">
-            <a:avLst/>
-          </a:prstGeom>
-        </p:spPr>
-        <p:txBody>
-          <a:bodyPr wrap="square">
-            <a:spAutoFit/>
-          </a:bodyPr>
-          <a:lstStyle/>
-          <a:p>
-            <a:pPr lvl="0">
-              <a:lnSpc>
-                <a:spcPct val="107000"/>
-              </a:lnSpc>
-              <a:spcAft>
-                <a:spcPts val="0"/>
-              </a:spcAft>
-            </a:pPr>
-            <a:r>
-              <a:rPr lang="fr-FR" dirty="0">
-                <a:latin typeface="Segoe UI" panose="020B0502040204020203" pitchFamily="34" charset="0"/>
-                <a:ea typeface="Calibri" panose="020F0502020204030204" pitchFamily="34" charset="0"/>
-                <a:cs typeface="Times New Roman" panose="02020603050405020304" pitchFamily="18" charset="0"/>
-              </a:rPr>
-              <a:t>Start by </a:t>
-            </a:r>
-            <a:r>
-              <a:rPr lang="fr-FR" dirty="0" err="1">
-                <a:latin typeface="Segoe UI" panose="020B0502040204020203" pitchFamily="34" charset="0"/>
-                <a:ea typeface="Calibri" panose="020F0502020204030204" pitchFamily="34" charset="0"/>
-                <a:cs typeface="Times New Roman" panose="02020603050405020304" pitchFamily="18" charset="0"/>
-              </a:rPr>
-              <a:t>loading</a:t>
-            </a:r>
-            <a:r>
-              <a:rPr lang="fr-FR" dirty="0">
-                <a:latin typeface="Segoe UI" panose="020B0502040204020203" pitchFamily="34" charset="0"/>
-                <a:ea typeface="Calibri" panose="020F0502020204030204" pitchFamily="34" charset="0"/>
-                <a:cs typeface="Times New Roman" panose="02020603050405020304" pitchFamily="18" charset="0"/>
-              </a:rPr>
-              <a:t> the </a:t>
-            </a:r>
-            <a:r>
-              <a:rPr lang="fr-FR" b="1" dirty="0">
-                <a:latin typeface="Segoe UI" panose="020B0502040204020203" pitchFamily="34" charset="0"/>
-                <a:ea typeface="Calibri" panose="020F0502020204030204" pitchFamily="34" charset="0"/>
-                <a:cs typeface="Times New Roman" panose="02020603050405020304" pitchFamily="18" charset="0"/>
-              </a:rPr>
-              <a:t>SalesExcel.xlsx file </a:t>
-            </a:r>
-            <a:r>
-              <a:rPr lang="fr-FR" dirty="0">
-                <a:latin typeface="Segoe UI" panose="020B0502040204020203" pitchFamily="34" charset="0"/>
-                <a:ea typeface="Calibri" panose="020F0502020204030204" pitchFamily="34" charset="0"/>
-                <a:cs typeface="Times New Roman" panose="02020603050405020304" pitchFamily="18" charset="0"/>
-              </a:rPr>
-              <a:t>as </a:t>
-            </a:r>
-            <a:r>
-              <a:rPr lang="fr-FR" b="1" dirty="0">
-                <a:latin typeface="Segoe UI" panose="020B0502040204020203" pitchFamily="34" charset="0"/>
-                <a:ea typeface="Calibri" panose="020F0502020204030204" pitchFamily="34" charset="0"/>
-                <a:cs typeface="Times New Roman" panose="02020603050405020304" pitchFamily="18" charset="0"/>
-              </a:rPr>
-              <a:t>a </a:t>
-            </a:r>
-            <a:r>
-              <a:rPr lang="fr-FR" b="1" dirty="0" err="1">
-                <a:latin typeface="Segoe UI" panose="020B0502040204020203" pitchFamily="34" charset="0"/>
-                <a:ea typeface="Calibri" panose="020F0502020204030204" pitchFamily="34" charset="0"/>
-                <a:cs typeface="Times New Roman" panose="02020603050405020304" pitchFamily="18" charset="0"/>
-              </a:rPr>
-              <a:t>DataSet</a:t>
-            </a:r>
-            <a:r>
-              <a:rPr lang="fr-FR" b="1" dirty="0">
-                <a:latin typeface="Segoe UI" panose="020B0502040204020203" pitchFamily="34" charset="0"/>
-                <a:ea typeface="Calibri" panose="020F0502020204030204" pitchFamily="34" charset="0"/>
-                <a:cs typeface="Times New Roman" panose="02020603050405020304" pitchFamily="18" charset="0"/>
-              </a:rPr>
-              <a:t> </a:t>
-            </a:r>
-            <a:r>
-              <a:rPr lang="fr-FR" dirty="0">
-                <a:latin typeface="Segoe UI" panose="020B0502040204020203" pitchFamily="34" charset="0"/>
-                <a:ea typeface="Calibri" panose="020F0502020204030204" pitchFamily="34" charset="0"/>
-                <a:cs typeface="Times New Roman" panose="02020603050405020304" pitchFamily="18" charset="0"/>
-              </a:rPr>
-              <a:t>in </a:t>
-            </a:r>
-            <a:r>
-              <a:rPr lang="fr-FR" b="1" dirty="0">
-                <a:latin typeface="Segoe UI" panose="020B0502040204020203" pitchFamily="34" charset="0"/>
-                <a:ea typeface="Calibri" panose="020F0502020204030204" pitchFamily="34" charset="0"/>
-                <a:cs typeface="Times New Roman" panose="02020603050405020304" pitchFamily="18" charset="0"/>
-              </a:rPr>
-              <a:t>Power BI Service</a:t>
-            </a:r>
-            <a:r>
-              <a:rPr lang="fr-FR" dirty="0">
-                <a:latin typeface="Segoe UI" panose="020B0502040204020203" pitchFamily="34" charset="0"/>
-                <a:ea typeface="Calibri" panose="020F0502020204030204" pitchFamily="34" charset="0"/>
-                <a:cs typeface="Times New Roman" panose="02020603050405020304" pitchFamily="18" charset="0"/>
-              </a:rPr>
-              <a:t> </a:t>
-            </a:r>
-            <a:endParaRPr lang="en-US" dirty="0">
-              <a:latin typeface="Calibri" panose="020F0502020204030204" pitchFamily="34" charset="0"/>
-              <a:ea typeface="Calibri" panose="020F0502020204030204" pitchFamily="34" charset="0"/>
-              <a:cs typeface="Times New Roman" panose="02020603050405020304" pitchFamily="18" charset="0"/>
-            </a:endParaRPr>
-          </a:p>
-          <a:p>
-            <a:pPr lvl="0">
-              <a:lnSpc>
-                <a:spcPct val="107000"/>
-              </a:lnSpc>
-              <a:spcAft>
-                <a:spcPts val="800"/>
-              </a:spcAft>
-            </a:pPr>
-            <a:r>
-              <a:rPr lang="fr-FR" dirty="0" err="1">
-                <a:latin typeface="Segoe UI" panose="020B0502040204020203" pitchFamily="34" charset="0"/>
-                <a:ea typeface="Calibri" panose="020F0502020204030204" pitchFamily="34" charset="0"/>
-                <a:cs typeface="Times New Roman" panose="02020603050405020304" pitchFamily="18" charset="0"/>
-              </a:rPr>
-              <a:t>Load</a:t>
-            </a:r>
-            <a:r>
-              <a:rPr lang="fr-FR" dirty="0">
-                <a:latin typeface="Segoe UI" panose="020B0502040204020203" pitchFamily="34" charset="0"/>
-                <a:ea typeface="Calibri" panose="020F0502020204030204" pitchFamily="34" charset="0"/>
-                <a:cs typeface="Times New Roman" panose="02020603050405020304" pitchFamily="18" charset="0"/>
-              </a:rPr>
-              <a:t> the </a:t>
-            </a:r>
-            <a:r>
-              <a:rPr lang="fr-FR" b="1" dirty="0" err="1">
-                <a:latin typeface="Segoe UI" panose="020B0502040204020203" pitchFamily="34" charset="0"/>
-                <a:ea typeface="Calibri" panose="020F0502020204030204" pitchFamily="34" charset="0"/>
-                <a:cs typeface="Times New Roman" panose="02020603050405020304" pitchFamily="18" charset="0"/>
-              </a:rPr>
-              <a:t>DataSet</a:t>
-            </a:r>
-            <a:r>
-              <a:rPr lang="fr-FR" b="1" dirty="0">
-                <a:latin typeface="Segoe UI" panose="020B0502040204020203" pitchFamily="34" charset="0"/>
-                <a:ea typeface="Calibri" panose="020F0502020204030204" pitchFamily="34" charset="0"/>
-                <a:cs typeface="Times New Roman" panose="02020603050405020304" pitchFamily="18" charset="0"/>
-              </a:rPr>
-              <a:t> </a:t>
-            </a:r>
-            <a:r>
-              <a:rPr lang="fr-FR" dirty="0" err="1">
-                <a:latin typeface="Segoe UI" panose="020B0502040204020203" pitchFamily="34" charset="0"/>
-                <a:ea typeface="Calibri" panose="020F0502020204030204" pitchFamily="34" charset="0"/>
-                <a:cs typeface="Times New Roman" panose="02020603050405020304" pitchFamily="18" charset="0"/>
-              </a:rPr>
-              <a:t>into</a:t>
-            </a:r>
-            <a:r>
-              <a:rPr lang="fr-FR" dirty="0">
-                <a:latin typeface="Segoe UI" panose="020B0502040204020203" pitchFamily="34" charset="0"/>
-                <a:ea typeface="Calibri" panose="020F0502020204030204" pitchFamily="34" charset="0"/>
-                <a:cs typeface="Times New Roman" panose="02020603050405020304" pitchFamily="18" charset="0"/>
-              </a:rPr>
-              <a:t> the Report Editor at the </a:t>
-            </a:r>
-            <a:r>
-              <a:rPr lang="fr-FR" b="1" dirty="0">
-                <a:latin typeface="Segoe UI" panose="020B0502040204020203" pitchFamily="34" charset="0"/>
-                <a:ea typeface="Calibri" panose="020F0502020204030204" pitchFamily="34" charset="0"/>
-                <a:cs typeface="Times New Roman" panose="02020603050405020304" pitchFamily="18" charset="0"/>
-              </a:rPr>
-              <a:t>Power BI Services </a:t>
-            </a:r>
-            <a:r>
-              <a:rPr lang="fr-FR" b="1" dirty="0" err="1">
-                <a:latin typeface="Segoe UI" panose="020B0502040204020203" pitchFamily="34" charset="0"/>
-                <a:ea typeface="Calibri" panose="020F0502020204030204" pitchFamily="34" charset="0"/>
-                <a:cs typeface="Times New Roman" panose="02020603050405020304" pitchFamily="18" charset="0"/>
-              </a:rPr>
-              <a:t>level</a:t>
-            </a:r>
-            <a:endParaRPr lang="en-US" dirty="0">
-              <a:latin typeface="Calibri" panose="020F0502020204030204" pitchFamily="34" charset="0"/>
-              <a:ea typeface="Calibri" panose="020F0502020204030204" pitchFamily="34" charset="0"/>
-              <a:cs typeface="Times New Roman" panose="02020603050405020304" pitchFamily="18" charset="0"/>
-            </a:endParaRPr>
-          </a:p>
-          <a:p>
-            <a:r>
-              <a:rPr lang="fr-FR" dirty="0" err="1">
-                <a:latin typeface="Segoe UI" panose="020B0502040204020203" pitchFamily="34" charset="0"/>
-                <a:ea typeface="Calibri" panose="020F0502020204030204" pitchFamily="34" charset="0"/>
-              </a:rPr>
-              <a:t>Add</a:t>
-            </a:r>
-            <a:r>
-              <a:rPr lang="fr-FR" dirty="0">
-                <a:latin typeface="Segoe UI" panose="020B0502040204020203" pitchFamily="34" charset="0"/>
-                <a:ea typeface="Calibri" panose="020F0502020204030204" pitchFamily="34" charset="0"/>
-              </a:rPr>
-              <a:t> </a:t>
-            </a:r>
-            <a:r>
-              <a:rPr lang="fr-FR" dirty="0" err="1">
-                <a:latin typeface="Segoe UI" panose="020B0502040204020203" pitchFamily="34" charset="0"/>
-                <a:ea typeface="Calibri" panose="020F0502020204030204" pitchFamily="34" charset="0"/>
-              </a:rPr>
-              <a:t>some</a:t>
-            </a:r>
-            <a:r>
-              <a:rPr lang="fr-FR" dirty="0">
-                <a:latin typeface="Segoe UI" panose="020B0502040204020203" pitchFamily="34" charset="0"/>
-                <a:ea typeface="Calibri" panose="020F0502020204030204" pitchFamily="34" charset="0"/>
-              </a:rPr>
-              <a:t> </a:t>
-            </a:r>
-            <a:r>
-              <a:rPr lang="fr-FR" dirty="0" err="1">
-                <a:latin typeface="Segoe UI" panose="020B0502040204020203" pitchFamily="34" charset="0"/>
-                <a:ea typeface="Calibri" panose="020F0502020204030204" pitchFamily="34" charset="0"/>
-              </a:rPr>
-              <a:t>visuals</a:t>
-            </a:r>
-            <a:r>
-              <a:rPr lang="fr-FR" dirty="0">
-                <a:latin typeface="Segoe UI" panose="020B0502040204020203" pitchFamily="34" charset="0"/>
-                <a:ea typeface="Calibri" panose="020F0502020204030204" pitchFamily="34" charset="0"/>
-              </a:rPr>
-              <a:t> to </a:t>
-            </a:r>
-            <a:r>
-              <a:rPr lang="fr-FR" dirty="0" err="1">
-                <a:latin typeface="Segoe UI" panose="020B0502040204020203" pitchFamily="34" charset="0"/>
-                <a:ea typeface="Calibri" panose="020F0502020204030204" pitchFamily="34" charset="0"/>
-              </a:rPr>
-              <a:t>create</a:t>
-            </a:r>
-            <a:r>
-              <a:rPr lang="fr-FR" dirty="0">
-                <a:latin typeface="Segoe UI" panose="020B0502040204020203" pitchFamily="34" charset="0"/>
-                <a:ea typeface="Calibri" panose="020F0502020204030204" pitchFamily="34" charset="0"/>
-              </a:rPr>
-              <a:t> </a:t>
-            </a:r>
-            <a:r>
-              <a:rPr lang="fr-FR" dirty="0" err="1">
-                <a:latin typeface="Segoe UI" panose="020B0502040204020203" pitchFamily="34" charset="0"/>
-                <a:ea typeface="Calibri" panose="020F0502020204030204" pitchFamily="34" charset="0"/>
-              </a:rPr>
-              <a:t>two</a:t>
-            </a:r>
-            <a:r>
-              <a:rPr lang="fr-FR" dirty="0">
-                <a:latin typeface="Segoe UI" panose="020B0502040204020203" pitchFamily="34" charset="0"/>
-                <a:ea typeface="Calibri" panose="020F0502020204030204" pitchFamily="34" charset="0"/>
-              </a:rPr>
-              <a:t> test reports </a:t>
-            </a:r>
-            <a:r>
-              <a:rPr lang="fr-FR" dirty="0" err="1">
-                <a:latin typeface="Segoe UI" panose="020B0502040204020203" pitchFamily="34" charset="0"/>
-                <a:ea typeface="Calibri" panose="020F0502020204030204" pitchFamily="34" charset="0"/>
-              </a:rPr>
-              <a:t>from</a:t>
-            </a:r>
-            <a:r>
-              <a:rPr lang="fr-FR" dirty="0">
-                <a:latin typeface="Segoe UI" panose="020B0502040204020203" pitchFamily="34" charset="0"/>
-                <a:ea typeface="Calibri" panose="020F0502020204030204" pitchFamily="34" charset="0"/>
-              </a:rPr>
-              <a:t> </a:t>
-            </a:r>
-            <a:r>
-              <a:rPr lang="fr-FR" dirty="0" err="1">
-                <a:latin typeface="Segoe UI" panose="020B0502040204020203" pitchFamily="34" charset="0"/>
-                <a:ea typeface="Calibri" panose="020F0502020204030204" pitchFamily="34" charset="0"/>
-              </a:rPr>
-              <a:t>this</a:t>
-            </a:r>
-            <a:r>
-              <a:rPr lang="fr-FR" dirty="0">
-                <a:latin typeface="Segoe UI" panose="020B0502040204020203" pitchFamily="34" charset="0"/>
-                <a:ea typeface="Calibri" panose="020F0502020204030204" pitchFamily="34" charset="0"/>
-              </a:rPr>
-              <a:t> </a:t>
-            </a:r>
-            <a:r>
-              <a:rPr lang="fr-FR" b="1" dirty="0" err="1">
-                <a:latin typeface="Segoe UI" panose="020B0502040204020203" pitchFamily="34" charset="0"/>
-                <a:ea typeface="Calibri" panose="020F0502020204030204" pitchFamily="34" charset="0"/>
-              </a:rPr>
-              <a:t>DataSet</a:t>
-            </a:r>
-            <a:r>
-              <a:rPr lang="fr-FR" dirty="0">
-                <a:latin typeface="Segoe UI" panose="020B0502040204020203" pitchFamily="34" charset="0"/>
-                <a:ea typeface="Calibri" panose="020F0502020204030204" pitchFamily="34" charset="0"/>
-              </a:rPr>
-              <a:t> </a:t>
-            </a:r>
-            <a:endParaRPr lang="en-US" dirty="0"/>
           </a:p>
         </p:txBody>
       </p:sp>
@@ -4156,6 +3796,123 @@
           </a:effectLst>
         </p:spPr>
       </p:pic>
+      <p:sp>
+        <p:nvSpPr>
+          <p:cNvPr id="4" name="Rectangle 3"/>
+          <p:cNvSpPr/>
+          <p:nvPr/>
+        </p:nvSpPr>
+        <p:spPr>
+          <a:xfrm>
+            <a:off x="295632" y="715974"/>
+            <a:ext cx="11377079" cy="400110"/>
+          </a:xfrm>
+          <a:prstGeom prst="rect">
+            <a:avLst/>
+          </a:prstGeom>
+        </p:spPr>
+        <p:txBody>
+          <a:bodyPr wrap="square">
+            <a:spAutoFit/>
+          </a:bodyPr>
+          <a:lstStyle/>
+          <a:p>
+            <a:r xmlns:a="http://schemas.openxmlformats.org/drawingml/2006/main">
+              <a:rPr lang="en" sz="2000" dirty="0"/>
+              <a:t>Note: This lab requires a Power BI Services account with administrator privileges.</a:t>
+            </a:r>
+            <a:endParaRPr xmlns:a="http://schemas.openxmlformats.org/drawingml/2006/main" lang="en-US" sz="2000" dirty="0"/>
+          </a:p>
+        </p:txBody>
+      </p:sp>
+      <p:sp>
+        <p:nvSpPr>
+          <p:cNvPr id="5" name="Rectangle 4"/>
+          <p:cNvSpPr/>
+          <p:nvPr/>
+        </p:nvSpPr>
+        <p:spPr>
+          <a:xfrm>
+            <a:off x="344311" y="1330573"/>
+            <a:ext cx="10165644" cy="1015663"/>
+          </a:xfrm>
+          <a:prstGeom prst="rect">
+            <a:avLst/>
+          </a:prstGeom>
+        </p:spPr>
+        <p:txBody>
+          <a:bodyPr wrap="square">
+            <a:spAutoFit/>
+          </a:bodyPr>
+          <a:lstStyle/>
+          <a:p>
+            <a:r xmlns:a="http://schemas.openxmlformats.org/drawingml/2006/main">
+              <a:rPr lang="en" sz="2000"/>
+              <a:t>Start by uploading the </a:t>
+            </a:r>
+            <a:r xmlns:a="http://schemas.openxmlformats.org/drawingml/2006/main">
+              <a:rPr lang="en" sz="2000" b="1"/>
+              <a:t>SalesExcel.xlsx file </a:t>
+            </a:r>
+            <a:r xmlns:a="http://schemas.openxmlformats.org/drawingml/2006/main">
+              <a:rPr lang="en" sz="2000"/>
+              <a:t>as </a:t>
+            </a:r>
+            <a:r xmlns:a="http://schemas.openxmlformats.org/drawingml/2006/main">
+              <a:rPr lang="en" sz="2000" b="1" dirty="0" err="1"/>
+              <a:t>a DataSet </a:t>
+            </a:r>
+            <a:r xmlns:a="http://schemas.openxmlformats.org/drawingml/2006/main">
+              <a:rPr lang="en" sz="2000" dirty="0"/>
+              <a:t>to </a:t>
+            </a:r>
+            <a:r xmlns:a="http://schemas.openxmlformats.org/drawingml/2006/main">
+              <a:rPr lang="en" sz="2000" b="1" dirty="0"/>
+              <a:t>Power BI Service </a:t>
+            </a:r>
+            <a:r xmlns:a="http://schemas.openxmlformats.org/drawingml/2006/main">
+              <a:rPr lang="en" sz="2000" dirty="0"/>
+              <a:t>.</a:t>
+            </a:r>
+          </a:p>
+          <a:p>
+            <a:r xmlns:a="http://schemas.openxmlformats.org/drawingml/2006/main">
+              <a:rPr lang="en" sz="2000" dirty="0"/>
+              <a:t>Load the </a:t>
+            </a:r>
+            <a:r xmlns:a="http://schemas.openxmlformats.org/drawingml/2006/main">
+              <a:rPr lang="en" sz="2000" b="1" dirty="0" err="1"/>
+              <a:t>DataSet </a:t>
+            </a:r>
+            <a:r xmlns:a="http://schemas.openxmlformats.org/drawingml/2006/main">
+              <a:rPr lang="en" sz="2000" dirty="0"/>
+              <a:t>into the report editor at the </a:t>
+            </a:r>
+            <a:r xmlns:a="http://schemas.openxmlformats.org/drawingml/2006/main">
+              <a:rPr lang="en" sz="2000" b="1" dirty="0"/>
+              <a:t>Power BI Services level </a:t>
+            </a:r>
+            <a:r xmlns:a="http://schemas.openxmlformats.org/drawingml/2006/main">
+              <a:rPr lang="en" sz="2000" dirty="0"/>
+              <a:t>.</a:t>
+            </a:r>
+          </a:p>
+          <a:p>
+            <a:r xmlns:a="http://schemas.openxmlformats.org/drawingml/2006/main">
+              <a:rPr lang="en" sz="2000" dirty="0"/>
+              <a:t>Add visuals to create two test reports from this </a:t>
+            </a:r>
+            <a:r xmlns:a="http://schemas.openxmlformats.org/drawingml/2006/main">
+              <a:rPr lang="en" sz="2000" b="1" dirty="0" err="1"/>
+              <a:t>DataSet </a:t>
+            </a:r>
+            <a:r xmlns:a="http://schemas.openxmlformats.org/drawingml/2006/main">
+              <a:rPr lang="en" sz="2000" dirty="0"/>
+              <a:t>.</a:t>
+            </a:r>
+          </a:p>
+        </p:txBody>
+      </p:sp>
     </p:spTree>
     <p:extLst>
       <p:ext uri="{BB962C8B-B14F-4D97-AF65-F5344CB8AC3E}">
@@ -4188,6 +3945,59 @@
       </p:grpSpPr>
       <p:sp>
         <p:nvSpPr>
+          <p:cNvPr id="6" name="Rectangle 5"/>
+          <p:cNvSpPr/>
+          <p:nvPr/>
+        </p:nvSpPr>
+        <p:spPr>
+          <a:xfrm>
+            <a:off x="372532" y="1222385"/>
+            <a:ext cx="9629423" cy="369332"/>
+          </a:xfrm>
+          <a:prstGeom prst="rect">
+            <a:avLst/>
+          </a:prstGeom>
+        </p:spPr>
+        <p:txBody>
+          <a:bodyPr wrap="square">
+            <a:spAutoFit/>
+          </a:bodyPr>
+          <a:lstStyle/>
+          <a:p>
+            <a:r xmlns:a="http://schemas.openxmlformats.org/drawingml/2006/main">
+              <a:rPr lang="en" dirty="0"/>
+              <a:t>Click the button</a:t>
+            </a:r>
+            <a:r xmlns:a="http://schemas.openxmlformats.org/drawingml/2006/main">
+              <a:rPr lang="en" b="1" dirty="0"/>
+              <a:t> </a:t>
+            </a:r>
+            <a:r xmlns:a="http://schemas.openxmlformats.org/drawingml/2006/main">
+              <a:rPr lang="en" b="1" dirty="0" smtClean="0"/>
+              <a:t>                          </a:t>
+            </a:r>
+            <a:r xmlns:a="http://schemas.openxmlformats.org/drawingml/2006/main">
+              <a:rPr lang="en" dirty="0" smtClean="0"/>
+              <a:t>at the </a:t>
+            </a:r>
+            <a:r xmlns:a="http://schemas.openxmlformats.org/drawingml/2006/main">
+              <a:rPr lang="en" dirty="0"/>
+              <a:t>workspace level, then select </a:t>
+            </a:r>
+            <a:r xmlns:a="http://schemas.openxmlformats.org/drawingml/2006/main">
+              <a:rPr lang="en" b="1" dirty="0"/>
+              <a:t>Dashboard </a:t>
+            </a:r>
+            <a:r xmlns:a="http://schemas.openxmlformats.org/drawingml/2006/main">
+              <a:rPr lang="en" dirty="0"/>
+              <a:t>.</a:t>
+            </a:r>
+            <a:endParaRPr xmlns:a="http://schemas.openxmlformats.org/drawingml/2006/main" lang="en-US" dirty="0"/>
+          </a:p>
+        </p:txBody>
+      </p:sp>
+      <p:sp>
+        <p:nvSpPr>
           <p:cNvPr id="2" name="TextBox 1"/>
           <p:cNvSpPr txBox="1"/>
           <p:nvPr/>
@@ -4195,7 +4005,7 @@
         <p:spPr>
           <a:xfrm>
             <a:off x="295632" y="275007"/>
-            <a:ext cx="3024289" cy="461665"/>
+            <a:ext cx="2696829" cy="400110"/>
           </a:xfrm>
           <a:prstGeom prst="rect">
             <a:avLst/>
@@ -4208,184 +4018,30 @@
           </a:bodyPr>
           <a:lstStyle/>
           <a:p>
-            <a:r>
-              <a:rPr lang="fr-FR" sz="2400" dirty="0" err="1" smtClean="0">
+            <a:r xmlns:a="http://schemas.openxmlformats.org/drawingml/2006/main">
+              <a:rPr lang="en" sz="2000" b="1" dirty="0" err="1" smtClean="0">
                 <a:latin typeface="Segoe UI" panose="020B0502040204020203" pitchFamily="34" charset="0"/>
                 <a:cs typeface="Segoe UI" panose="020B0502040204020203" pitchFamily="34" charset="0"/>
               </a:rPr>
               <a:t>Creating</a:t>
             </a:r>
-            <a:r>
-              <a:rPr lang="fr-FR" sz="2400" dirty="0" smtClean="0">
+            <a:r xmlns:a="http://schemas.openxmlformats.org/drawingml/2006/main">
+              <a:rPr lang="en" sz="2000" b="1" dirty="0" smtClean="0">
                 <a:latin typeface="Segoe UI" panose="020B0502040204020203" pitchFamily="34" charset="0"/>
                 <a:cs typeface="Segoe UI" panose="020B0502040204020203" pitchFamily="34" charset="0"/>
               </a:rPr>
               <a:t> </a:t>
             </a:r>
-            <a:r>
-              <a:rPr lang="fr-FR" sz="2400" dirty="0" err="1" smtClean="0">
+            <a:r xmlns:a="http://schemas.openxmlformats.org/drawingml/2006/main">
+              <a:rPr lang="en" sz="2000" b="1" dirty="0" err="1" smtClean="0">
                 <a:latin typeface="Segoe UI" panose="020B0502040204020203" pitchFamily="34" charset="0"/>
                 <a:cs typeface="Segoe UI" panose="020B0502040204020203" pitchFamily="34" charset="0"/>
               </a:rPr>
               <a:t>Dashboards</a:t>
             </a:r>
-            <a:endParaRPr lang="en-US" sz="2400" dirty="0">
+            <a:endParaRPr xmlns:a="http://schemas.openxmlformats.org/drawingml/2006/main" lang="en-US" sz="2000" b="1" dirty="0">
               <a:latin typeface="Segoe UI" panose="020B0502040204020203" pitchFamily="34" charset="0"/>
               <a:cs typeface="Segoe UI" panose="020B0502040204020203" pitchFamily="34" charset="0"/>
-            </a:endParaRPr>
-          </a:p>
-        </p:txBody>
-      </p:sp>
-      <p:sp>
-        <p:nvSpPr>
-          <p:cNvPr id="4" name="Rectangle 3"/>
-          <p:cNvSpPr/>
-          <p:nvPr/>
-        </p:nvSpPr>
-        <p:spPr>
-          <a:xfrm>
-            <a:off x="295632" y="813186"/>
-            <a:ext cx="3764364" cy="373692"/>
-          </a:xfrm>
-          <a:prstGeom prst="rect">
-            <a:avLst/>
-          </a:prstGeom>
-        </p:spPr>
-        <p:txBody>
-          <a:bodyPr wrap="none">
-            <a:spAutoFit/>
-          </a:bodyPr>
-          <a:lstStyle/>
-          <a:p>
-            <a:pPr lvl="0">
-              <a:lnSpc>
-                <a:spcPct val="107000"/>
-              </a:lnSpc>
-              <a:spcAft>
-                <a:spcPts val="800"/>
-              </a:spcAft>
-            </a:pPr>
-            <a:r>
-              <a:rPr lang="fr-FR" dirty="0">
-                <a:latin typeface="Segoe UI" panose="020B0502040204020203" pitchFamily="34" charset="0"/>
-                <a:ea typeface="Calibri" panose="020F0502020204030204" pitchFamily="34" charset="0"/>
-                <a:cs typeface="Times New Roman" panose="02020603050405020304" pitchFamily="18" charset="0"/>
-              </a:rPr>
-              <a:t>Save </a:t>
-            </a:r>
-            <a:r>
-              <a:rPr lang="fr-FR" dirty="0" err="1">
-                <a:latin typeface="Segoe UI" panose="020B0502040204020203" pitchFamily="34" charset="0"/>
-                <a:ea typeface="Calibri" panose="020F0502020204030204" pitchFamily="34" charset="0"/>
-                <a:cs typeface="Times New Roman" panose="02020603050405020304" pitchFamily="18" charset="0"/>
-              </a:rPr>
-              <a:t>both</a:t>
-            </a:r>
-            <a:r>
-              <a:rPr lang="fr-FR" dirty="0">
-                <a:latin typeface="Segoe UI" panose="020B0502040204020203" pitchFamily="34" charset="0"/>
-                <a:ea typeface="Calibri" panose="020F0502020204030204" pitchFamily="34" charset="0"/>
-                <a:cs typeface="Times New Roman" panose="02020603050405020304" pitchFamily="18" charset="0"/>
-              </a:rPr>
-              <a:t> reports in the </a:t>
-            </a:r>
-            <a:r>
-              <a:rPr lang="fr-FR" dirty="0" err="1">
-                <a:latin typeface="Segoe UI" panose="020B0502040204020203" pitchFamily="34" charset="0"/>
-                <a:ea typeface="Calibri" panose="020F0502020204030204" pitchFamily="34" charset="0"/>
-                <a:cs typeface="Times New Roman" panose="02020603050405020304" pitchFamily="18" charset="0"/>
-              </a:rPr>
-              <a:t>workspace</a:t>
-            </a:r>
-            <a:endParaRPr lang="en-US" dirty="0">
-              <a:latin typeface="Calibri" panose="020F0502020204030204" pitchFamily="34" charset="0"/>
-              <a:ea typeface="Calibri" panose="020F0502020204030204" pitchFamily="34" charset="0"/>
-              <a:cs typeface="Times New Roman" panose="02020603050405020304" pitchFamily="18" charset="0"/>
-            </a:endParaRPr>
-          </a:p>
-        </p:txBody>
-      </p:sp>
-      <p:sp>
-        <p:nvSpPr>
-          <p:cNvPr id="5" name="Rectangle 4"/>
-          <p:cNvSpPr/>
-          <p:nvPr/>
-        </p:nvSpPr>
-        <p:spPr>
-          <a:xfrm>
-            <a:off x="378177" y="1314116"/>
-            <a:ext cx="8246534" cy="388696"/>
-          </a:xfrm>
-          <a:prstGeom prst="rect">
-            <a:avLst/>
-          </a:prstGeom>
-        </p:spPr>
-        <p:txBody>
-          <a:bodyPr wrap="square">
-            <a:spAutoFit/>
-          </a:bodyPr>
-          <a:lstStyle/>
-          <a:p>
-            <a:pPr lvl="0">
-              <a:lnSpc>
-                <a:spcPct val="107000"/>
-              </a:lnSpc>
-              <a:spcAft>
-                <a:spcPts val="800"/>
-              </a:spcAft>
-            </a:pPr>
-            <a:r>
-              <a:rPr lang="en-US" dirty="0" smtClean="0">
-                <a:latin typeface="Segoe UI" panose="020B0502040204020203" pitchFamily="34" charset="0"/>
-                <a:ea typeface="Calibri" panose="020F0502020204030204" pitchFamily="34" charset="0"/>
-                <a:cs typeface="Times New Roman" panose="02020603050405020304" pitchFamily="18" charset="0"/>
-              </a:rPr>
-              <a:t>Click </a:t>
-            </a:r>
-            <a:r>
-              <a:rPr lang="en-US" b="1" dirty="0" smtClean="0">
-                <a:latin typeface="Segoe UI" panose="020B0502040204020203" pitchFamily="34" charset="0"/>
-                <a:ea typeface="Calibri" panose="020F0502020204030204" pitchFamily="34" charset="0"/>
-                <a:cs typeface="Times New Roman" panose="02020603050405020304" pitchFamily="18" charset="0"/>
-              </a:rPr>
-              <a:t>                    </a:t>
-            </a:r>
-            <a:r>
-              <a:rPr lang="en-US" dirty="0" smtClean="0">
-                <a:latin typeface="Segoe UI" panose="020B0502040204020203" pitchFamily="34" charset="0"/>
-                <a:ea typeface="Calibri" panose="020F0502020204030204" pitchFamily="34" charset="0"/>
-                <a:cs typeface="Times New Roman" panose="02020603050405020304" pitchFamily="18" charset="0"/>
-              </a:rPr>
-              <a:t>button</a:t>
-            </a:r>
-            <a:r>
-              <a:rPr lang="en-US" b="1" dirty="0" smtClean="0">
-                <a:latin typeface="Segoe UI" panose="020B0502040204020203" pitchFamily="34" charset="0"/>
-                <a:ea typeface="Calibri" panose="020F0502020204030204" pitchFamily="34" charset="0"/>
-                <a:cs typeface="Times New Roman" panose="02020603050405020304" pitchFamily="18" charset="0"/>
-              </a:rPr>
-              <a:t>   </a:t>
-            </a:r>
-            <a:r>
-              <a:rPr lang="en-US" dirty="0" smtClean="0">
-                <a:latin typeface="Segoe UI" panose="020B0502040204020203" pitchFamily="34" charset="0"/>
-                <a:ea typeface="Calibri" panose="020F0502020204030204" pitchFamily="34" charset="0"/>
-                <a:cs typeface="Times New Roman" panose="02020603050405020304" pitchFamily="18" charset="0"/>
-              </a:rPr>
-              <a:t>at the workspace level and then select </a:t>
-            </a:r>
-            <a:r>
-              <a:rPr lang="en-US" b="1" dirty="0" smtClean="0">
-                <a:latin typeface="Segoe UI" panose="020B0502040204020203" pitchFamily="34" charset="0"/>
-                <a:ea typeface="Calibri" panose="020F0502020204030204" pitchFamily="34" charset="0"/>
-                <a:cs typeface="Times New Roman" panose="02020603050405020304" pitchFamily="18" charset="0"/>
-              </a:rPr>
-              <a:t>Dashboard</a:t>
-            </a:r>
-            <a:endParaRPr lang="en-US" dirty="0">
-              <a:latin typeface="Calibri" panose="020F0502020204030204" pitchFamily="34" charset="0"/>
-              <a:ea typeface="Calibri" panose="020F0502020204030204" pitchFamily="34" charset="0"/>
-              <a:cs typeface="Times New Roman" panose="02020603050405020304" pitchFamily="18" charset="0"/>
             </a:endParaRPr>
           </a:p>
         </p:txBody>
@@ -4430,7 +4086,7 @@
         </p:blipFill>
         <p:spPr>
           <a:xfrm>
-            <a:off x="1007102" y="1356042"/>
+            <a:off x="2548035" y="1254629"/>
             <a:ext cx="1124107" cy="304843"/>
           </a:xfrm>
           <a:prstGeom prst="rect">
@@ -4438,6 +4094,35 @@
           </a:prstGeom>
         </p:spPr>
       </p:pic>
+      <p:sp>
+        <p:nvSpPr>
+          <p:cNvPr id="3" name="Rectangle 2"/>
+          <p:cNvSpPr/>
+          <p:nvPr/>
+        </p:nvSpPr>
+        <p:spPr>
+          <a:xfrm>
+            <a:off x="372533" y="748696"/>
+            <a:ext cx="5720669" cy="400110"/>
+          </a:xfrm>
+          <a:prstGeom prst="rect">
+            <a:avLst/>
+          </a:prstGeom>
+        </p:spPr>
+        <p:txBody>
+          <a:bodyPr wrap="none">
+            <a:spAutoFit/>
+          </a:bodyPr>
+          <a:lstStyle/>
+          <a:p>
+            <a:r xmlns:a="http://schemas.openxmlformats.org/drawingml/2006/main">
+              <a:rPr lang="en" sz="2000" dirty="0"/>
+              <a:t>Save both reports to the workspace.</a:t>
+            </a:r>
+            <a:endParaRPr xmlns:a="http://schemas.openxmlformats.org/drawingml/2006/main" lang="en-US" sz="2000" dirty="0"/>
+          </a:p>
+        </p:txBody>
+      </p:sp>
     </p:spTree>
     <p:extLst>
       <p:ext uri="{BB962C8B-B14F-4D97-AF65-F5344CB8AC3E}">
@@ -4477,7 +4162,7 @@
         <p:spPr>
           <a:xfrm>
             <a:off x="295632" y="275007"/>
-            <a:ext cx="3024289" cy="461665"/>
+            <a:ext cx="2696829" cy="400110"/>
           </a:xfrm>
           <a:prstGeom prst="rect">
             <a:avLst/>
@@ -4490,75 +4175,30 @@
           </a:bodyPr>
           <a:lstStyle/>
           <a:p>
-            <a:r>
-              <a:rPr lang="fr-FR" sz="2400" dirty="0" err="1" smtClean="0">
+            <a:r xmlns:a="http://schemas.openxmlformats.org/drawingml/2006/main">
+              <a:rPr lang="en" sz="2000" b="1" dirty="0" err="1" smtClean="0">
                 <a:latin typeface="Segoe UI" panose="020B0502040204020203" pitchFamily="34" charset="0"/>
                 <a:cs typeface="Segoe UI" panose="020B0502040204020203" pitchFamily="34" charset="0"/>
               </a:rPr>
               <a:t>Creating</a:t>
             </a:r>
-            <a:r>
-              <a:rPr lang="fr-FR" sz="2400" dirty="0" smtClean="0">
+            <a:r xmlns:a="http://schemas.openxmlformats.org/drawingml/2006/main">
+              <a:rPr lang="en" sz="2000" b="1" dirty="0" smtClean="0">
                 <a:latin typeface="Segoe UI" panose="020B0502040204020203" pitchFamily="34" charset="0"/>
                 <a:cs typeface="Segoe UI" panose="020B0502040204020203" pitchFamily="34" charset="0"/>
               </a:rPr>
               <a:t> </a:t>
             </a:r>
-            <a:r>
-              <a:rPr lang="fr-FR" sz="2400" dirty="0" err="1" smtClean="0">
+            <a:r xmlns:a="http://schemas.openxmlformats.org/drawingml/2006/main">
+              <a:rPr lang="en" sz="2000" b="1" dirty="0" err="1" smtClean="0">
                 <a:latin typeface="Segoe UI" panose="020B0502040204020203" pitchFamily="34" charset="0"/>
                 <a:cs typeface="Segoe UI" panose="020B0502040204020203" pitchFamily="34" charset="0"/>
               </a:rPr>
               <a:t>Dashboards</a:t>
             </a:r>
-            <a:endParaRPr lang="en-US" sz="2400" dirty="0">
+            <a:endParaRPr xmlns:a="http://schemas.openxmlformats.org/drawingml/2006/main" lang="en-US" sz="2000" b="1" dirty="0">
               <a:latin typeface="Segoe UI" panose="020B0502040204020203" pitchFamily="34" charset="0"/>
               <a:cs typeface="Segoe UI" panose="020B0502040204020203" pitchFamily="34" charset="0"/>
-            </a:endParaRPr>
-          </a:p>
-        </p:txBody>
-      </p:sp>
-      <p:sp>
-        <p:nvSpPr>
-          <p:cNvPr id="3" name="Rectangle 2"/>
-          <p:cNvSpPr/>
-          <p:nvPr/>
-        </p:nvSpPr>
-        <p:spPr>
-          <a:xfrm>
-            <a:off x="377920" y="807541"/>
-            <a:ext cx="2352311" cy="373692"/>
-          </a:xfrm>
-          <a:prstGeom prst="rect">
-            <a:avLst/>
-          </a:prstGeom>
-        </p:spPr>
-        <p:txBody>
-          <a:bodyPr wrap="none">
-            <a:spAutoFit/>
-          </a:bodyPr>
-          <a:lstStyle/>
-          <a:p>
-            <a:pPr lvl="0">
-              <a:lnSpc>
-                <a:spcPct val="107000"/>
-              </a:lnSpc>
-              <a:spcAft>
-                <a:spcPts val="800"/>
-              </a:spcAft>
-            </a:pPr>
-            <a:r>
-              <a:rPr lang="fr-FR" dirty="0">
-                <a:latin typeface="Segoe UI" panose="020B0502040204020203" pitchFamily="34" charset="0"/>
-                <a:ea typeface="Calibri" panose="020F0502020204030204" pitchFamily="34" charset="0"/>
-                <a:cs typeface="Times New Roman" panose="02020603050405020304" pitchFamily="18" charset="0"/>
-              </a:rPr>
-              <a:t>Name the Dashboard</a:t>
-            </a:r>
-            <a:endParaRPr lang="en-US" dirty="0">
-              <a:latin typeface="Calibri" panose="020F0502020204030204" pitchFamily="34" charset="0"/>
-              <a:ea typeface="Calibri" panose="020F0502020204030204" pitchFamily="34" charset="0"/>
-              <a:cs typeface="Times New Roman" panose="02020603050405020304" pitchFamily="18" charset="0"/>
             </a:endParaRPr>
           </a:p>
         </p:txBody>
@@ -4597,6 +4237,46 @@
           </a:effectLst>
         </p:spPr>
       </p:pic>
+      <p:sp>
+        <p:nvSpPr>
+          <p:cNvPr id="4" name="Rectangle 3"/>
+          <p:cNvSpPr/>
+          <p:nvPr/>
+        </p:nvSpPr>
+        <p:spPr>
+          <a:xfrm>
+            <a:off x="295632" y="738201"/>
+            <a:ext cx="2398157" cy="369332"/>
+          </a:xfrm>
+          <a:prstGeom prst="rect">
+            <a:avLst/>
+          </a:prstGeom>
+        </p:spPr>
+        <p:txBody>
+          <a:bodyPr wrap="none">
+            <a:spAutoFit/>
+          </a:bodyPr>
+          <a:lstStyle/>
+          <a:p>
+            <a:r xmlns:a="http://schemas.openxmlformats.org/drawingml/2006/main">
+              <a:rPr lang="en" dirty="0" err="1"/>
+              <a:t>Name </a:t>
+            </a:r>
+            <a:r xmlns:a="http://schemas.openxmlformats.org/drawingml/2006/main">
+              <a:rPr lang="en" dirty="0"/>
+              <a:t>the </a:t>
+            </a:r>
+            <a:r xmlns:a="http://schemas.openxmlformats.org/drawingml/2006/main">
+              <a:rPr lang="en" b="1" dirty="0"/>
+              <a:t>Dashboard </a:t>
+            </a:r>
+            <a:r xmlns:a="http://schemas.openxmlformats.org/drawingml/2006/main">
+              <a:rPr lang="en" dirty="0"/>
+              <a:t>.</a:t>
+            </a:r>
+          </a:p>
+        </p:txBody>
+      </p:sp>
     </p:spTree>
     <p:extLst>
       <p:ext uri="{BB962C8B-B14F-4D97-AF65-F5344CB8AC3E}">
@@ -4636,7 +4316,7 @@
         <p:spPr>
           <a:xfrm>
             <a:off x="295632" y="275007"/>
-            <a:ext cx="3024289" cy="461665"/>
+            <a:ext cx="2696829" cy="400110"/>
           </a:xfrm>
           <a:prstGeom prst="rect">
             <a:avLst/>
@@ -4649,139 +4329,30 @@
           </a:bodyPr>
           <a:lstStyle/>
           <a:p>
-            <a:r>
-              <a:rPr lang="fr-FR" sz="2400" dirty="0" err="1" smtClean="0">
+            <a:r xmlns:a="http://schemas.openxmlformats.org/drawingml/2006/main">
+              <a:rPr lang="en" sz="2000" b="1" dirty="0" err="1" smtClean="0">
                 <a:latin typeface="Segoe UI" panose="020B0502040204020203" pitchFamily="34" charset="0"/>
                 <a:cs typeface="Segoe UI" panose="020B0502040204020203" pitchFamily="34" charset="0"/>
               </a:rPr>
               <a:t>Creating</a:t>
             </a:r>
-            <a:r>
-              <a:rPr lang="fr-FR" sz="2400" dirty="0" smtClean="0">
+            <a:r xmlns:a="http://schemas.openxmlformats.org/drawingml/2006/main">
+              <a:rPr lang="en" sz="2000" b="1" dirty="0" smtClean="0">
                 <a:latin typeface="Segoe UI" panose="020B0502040204020203" pitchFamily="34" charset="0"/>
                 <a:cs typeface="Segoe UI" panose="020B0502040204020203" pitchFamily="34" charset="0"/>
               </a:rPr>
               <a:t> </a:t>
             </a:r>
-            <a:r>
-              <a:rPr lang="fr-FR" sz="2400" dirty="0" err="1" smtClean="0">
+            <a:r xmlns:a="http://schemas.openxmlformats.org/drawingml/2006/main">
+              <a:rPr lang="en" sz="2000" b="1" dirty="0" err="1" smtClean="0">
                 <a:latin typeface="Segoe UI" panose="020B0502040204020203" pitchFamily="34" charset="0"/>
                 <a:cs typeface="Segoe UI" panose="020B0502040204020203" pitchFamily="34" charset="0"/>
               </a:rPr>
               <a:t>Dashboards</a:t>
             </a:r>
-            <a:endParaRPr lang="en-US" sz="2400" dirty="0">
+            <a:endParaRPr xmlns:a="http://schemas.openxmlformats.org/drawingml/2006/main" lang="en-US" sz="2000" b="1" dirty="0">
               <a:latin typeface="Segoe UI" panose="020B0502040204020203" pitchFamily="34" charset="0"/>
               <a:cs typeface="Segoe UI" panose="020B0502040204020203" pitchFamily="34" charset="0"/>
-            </a:endParaRPr>
-          </a:p>
-        </p:txBody>
-      </p:sp>
-      <p:sp>
-        <p:nvSpPr>
-          <p:cNvPr id="4" name="Rectangle 3"/>
-          <p:cNvSpPr/>
-          <p:nvPr/>
-        </p:nvSpPr>
-        <p:spPr>
-          <a:xfrm>
-            <a:off x="295632" y="892208"/>
-            <a:ext cx="3284874" cy="373692"/>
-          </a:xfrm>
-          <a:prstGeom prst="rect">
-            <a:avLst/>
-          </a:prstGeom>
-        </p:spPr>
-        <p:txBody>
-          <a:bodyPr wrap="none">
-            <a:spAutoFit/>
-          </a:bodyPr>
-          <a:lstStyle/>
-          <a:p>
-            <a:pPr lvl="0">
-              <a:lnSpc>
-                <a:spcPct val="107000"/>
-              </a:lnSpc>
-              <a:spcAft>
-                <a:spcPts val="800"/>
-              </a:spcAft>
-            </a:pPr>
-            <a:r>
-              <a:rPr lang="fr-FR" dirty="0">
-                <a:latin typeface="Segoe UI" panose="020B0502040204020203" pitchFamily="34" charset="0"/>
-                <a:ea typeface="Calibri" panose="020F0502020204030204" pitchFamily="34" charset="0"/>
-                <a:cs typeface="Times New Roman" panose="02020603050405020304" pitchFamily="18" charset="0"/>
-              </a:rPr>
-              <a:t>Click </a:t>
-            </a:r>
-            <a:r>
-              <a:rPr lang="fr-FR" b="1" dirty="0">
-                <a:latin typeface="Segoe UI" panose="020B0502040204020203" pitchFamily="34" charset="0"/>
-                <a:ea typeface="Calibri" panose="020F0502020204030204" pitchFamily="34" charset="0"/>
-                <a:cs typeface="Times New Roman" panose="02020603050405020304" pitchFamily="18" charset="0"/>
-              </a:rPr>
-              <a:t>Edit </a:t>
-            </a:r>
-            <a:r>
-              <a:rPr lang="fr-FR" dirty="0">
-                <a:latin typeface="Segoe UI" panose="020B0502040204020203" pitchFamily="34" charset="0"/>
-                <a:ea typeface="Calibri" panose="020F0502020204030204" pitchFamily="34" charset="0"/>
-                <a:cs typeface="Times New Roman" panose="02020603050405020304" pitchFamily="18" charset="0"/>
-              </a:rPr>
-              <a:t>and </a:t>
-            </a:r>
-            <a:r>
-              <a:rPr lang="fr-FR" dirty="0" err="1">
-                <a:latin typeface="Segoe UI" panose="020B0502040204020203" pitchFamily="34" charset="0"/>
-                <a:ea typeface="Calibri" panose="020F0502020204030204" pitchFamily="34" charset="0"/>
-                <a:cs typeface="Times New Roman" panose="02020603050405020304" pitchFamily="18" charset="0"/>
-              </a:rPr>
-              <a:t>then</a:t>
-            </a:r>
-            <a:r>
-              <a:rPr lang="fr-FR" dirty="0">
-                <a:latin typeface="Segoe UI" panose="020B0502040204020203" pitchFamily="34" charset="0"/>
-                <a:ea typeface="Calibri" panose="020F0502020204030204" pitchFamily="34" charset="0"/>
-                <a:cs typeface="Times New Roman" panose="02020603050405020304" pitchFamily="18" charset="0"/>
-              </a:rPr>
-              <a:t> </a:t>
-            </a:r>
-            <a:r>
-              <a:rPr lang="fr-FR" b="1" dirty="0" err="1">
-                <a:latin typeface="Segoe UI" panose="020B0502040204020203" pitchFamily="34" charset="0"/>
-                <a:ea typeface="Calibri" panose="020F0502020204030204" pitchFamily="34" charset="0"/>
-                <a:cs typeface="Times New Roman" panose="02020603050405020304" pitchFamily="18" charset="0"/>
-              </a:rPr>
-              <a:t>Add</a:t>
-            </a:r>
-            <a:r>
-              <a:rPr lang="fr-FR" b="1" dirty="0">
-                <a:latin typeface="Segoe UI" panose="020B0502040204020203" pitchFamily="34" charset="0"/>
-                <a:ea typeface="Calibri" panose="020F0502020204030204" pitchFamily="34" charset="0"/>
-                <a:cs typeface="Times New Roman" panose="02020603050405020304" pitchFamily="18" charset="0"/>
-              </a:rPr>
-              <a:t> a </a:t>
-            </a:r>
-            <a:r>
-              <a:rPr lang="fr-FR" b="1" dirty="0" err="1">
-                <a:latin typeface="Segoe UI" panose="020B0502040204020203" pitchFamily="34" charset="0"/>
-                <a:ea typeface="Calibri" panose="020F0502020204030204" pitchFamily="34" charset="0"/>
-                <a:cs typeface="Times New Roman" panose="02020603050405020304" pitchFamily="18" charset="0"/>
-              </a:rPr>
-              <a:t>tile</a:t>
-            </a:r>
-            <a:r>
-              <a:rPr lang="fr-FR" dirty="0">
-                <a:latin typeface="Segoe UI" panose="020B0502040204020203" pitchFamily="34" charset="0"/>
-                <a:ea typeface="Calibri" panose="020F0502020204030204" pitchFamily="34" charset="0"/>
-                <a:cs typeface="Times New Roman" panose="02020603050405020304" pitchFamily="18" charset="0"/>
-              </a:rPr>
-              <a:t> </a:t>
-            </a:r>
-            <a:endParaRPr lang="en-US" dirty="0">
-              <a:latin typeface="Calibri" panose="020F0502020204030204" pitchFamily="34" charset="0"/>
-              <a:ea typeface="Calibri" panose="020F0502020204030204" pitchFamily="34" charset="0"/>
-              <a:cs typeface="Times New Roman" panose="02020603050405020304" pitchFamily="18" charset="0"/>
             </a:endParaRPr>
           </a:p>
         </p:txBody>
@@ -4865,6 +4436,59 @@
           <a:p>
             <a:pPr algn="ctr"/>
             <a:endParaRPr lang="en-US"/>
+          </a:p>
+        </p:txBody>
+      </p:sp>
+      <p:sp>
+        <p:nvSpPr>
+          <p:cNvPr id="3" name="Rectangle 2"/>
+          <p:cNvSpPr/>
+          <p:nvPr/>
+        </p:nvSpPr>
+        <p:spPr>
+          <a:xfrm>
+            <a:off x="295632" y="805934"/>
+            <a:ext cx="3858877" cy="400110"/>
+          </a:xfrm>
+          <a:prstGeom prst="rect">
+            <a:avLst/>
+          </a:prstGeom>
+        </p:spPr>
+        <p:txBody>
+          <a:bodyPr wrap="none">
+            <a:spAutoFit/>
+          </a:bodyPr>
+          <a:lstStyle/>
+          <a:p>
+            <a:r xmlns:a="http://schemas.openxmlformats.org/drawingml/2006/main">
+              <a:rPr lang="en" sz="2000" dirty="0"/>
+              <a:t>Click </a:t>
+            </a:r>
+            <a:r xmlns:a="http://schemas.openxmlformats.org/drawingml/2006/main">
+              <a:rPr lang="en" sz="2000" b="1" dirty="0"/>
+              <a:t>Edit </a:t>
+            </a:r>
+            <a:r xmlns:a="http://schemas.openxmlformats.org/drawingml/2006/main">
+              <a:rPr lang="en" sz="2000" dirty="0"/>
+              <a:t>, then </a:t>
+            </a:r>
+            <a:r xmlns:a="http://schemas.openxmlformats.org/drawingml/2006/main">
+              <a:rPr lang="en" sz="2000" b="1" dirty="0" err="1"/>
+              <a:t>Add </a:t>
+            </a:r>
+            <a:r xmlns:a="http://schemas.openxmlformats.org/drawingml/2006/main">
+              <a:rPr lang="en" sz="2000" b="1" dirty="0"/>
+              <a:t>a </a:t>
+            </a:r>
+            <a:r xmlns:a="http://schemas.openxmlformats.org/drawingml/2006/main">
+              <a:rPr lang="en" sz="2000" b="1" dirty="0" err="1"/>
+              <a:t>tile </a:t>
+            </a:r>
+            <a:r xmlns:a="http://schemas.openxmlformats.org/drawingml/2006/main">
+              <a:rPr lang="en" sz="2000" dirty="0"/>
+              <a:t>.</a:t>
+            </a:r>
+            <a:endParaRPr xmlns:a="http://schemas.openxmlformats.org/drawingml/2006/main" lang="en-US" sz="2000" dirty="0"/>
           </a:p>
         </p:txBody>
       </p:sp>
@@ -4907,7 +4531,7 @@
         <p:spPr>
           <a:xfrm>
             <a:off x="295632" y="275007"/>
-            <a:ext cx="3024289" cy="461665"/>
+            <a:ext cx="2696829" cy="400110"/>
           </a:xfrm>
           <a:prstGeom prst="rect">
             <a:avLst/>
@@ -4920,75 +4544,30 @@
           </a:bodyPr>
           <a:lstStyle/>
           <a:p>
-            <a:r>
-              <a:rPr lang="fr-FR" sz="2400" dirty="0" err="1" smtClean="0">
+            <a:r xmlns:a="http://schemas.openxmlformats.org/drawingml/2006/main">
+              <a:rPr lang="en" sz="2000" b="1" dirty="0" err="1" smtClean="0">
                 <a:latin typeface="Segoe UI" panose="020B0502040204020203" pitchFamily="34" charset="0"/>
                 <a:cs typeface="Segoe UI" panose="020B0502040204020203" pitchFamily="34" charset="0"/>
               </a:rPr>
               <a:t>Creating</a:t>
             </a:r>
-            <a:r>
-              <a:rPr lang="fr-FR" sz="2400" dirty="0" smtClean="0">
+            <a:r xmlns:a="http://schemas.openxmlformats.org/drawingml/2006/main">
+              <a:rPr lang="en" sz="2000" b="1" dirty="0" smtClean="0">
                 <a:latin typeface="Segoe UI" panose="020B0502040204020203" pitchFamily="34" charset="0"/>
                 <a:cs typeface="Segoe UI" panose="020B0502040204020203" pitchFamily="34" charset="0"/>
               </a:rPr>
               <a:t> </a:t>
             </a:r>
-            <a:r>
-              <a:rPr lang="fr-FR" sz="2400" dirty="0" err="1" smtClean="0">
+            <a:r xmlns:a="http://schemas.openxmlformats.org/drawingml/2006/main">
+              <a:rPr lang="en" sz="2000" b="1" dirty="0" err="1" smtClean="0">
                 <a:latin typeface="Segoe UI" panose="020B0502040204020203" pitchFamily="34" charset="0"/>
                 <a:cs typeface="Segoe UI" panose="020B0502040204020203" pitchFamily="34" charset="0"/>
               </a:rPr>
               <a:t>Dashboards</a:t>
             </a:r>
-            <a:endParaRPr lang="en-US" sz="2400" dirty="0">
+            <a:endParaRPr xmlns:a="http://schemas.openxmlformats.org/drawingml/2006/main" lang="en-US" sz="2000" b="1" dirty="0">
               <a:latin typeface="Segoe UI" panose="020B0502040204020203" pitchFamily="34" charset="0"/>
               <a:cs typeface="Segoe UI" panose="020B0502040204020203" pitchFamily="34" charset="0"/>
-            </a:endParaRPr>
-          </a:p>
-        </p:txBody>
-      </p:sp>
-      <p:sp>
-        <p:nvSpPr>
-          <p:cNvPr id="3" name="Rectangle 2"/>
-          <p:cNvSpPr/>
-          <p:nvPr/>
-        </p:nvSpPr>
-        <p:spPr>
-          <a:xfrm>
-            <a:off x="346145" y="858341"/>
-            <a:ext cx="5678349" cy="373692"/>
-          </a:xfrm>
-          <a:prstGeom prst="rect">
-            <a:avLst/>
-          </a:prstGeom>
-        </p:spPr>
-        <p:txBody>
-          <a:bodyPr wrap="none">
-            <a:spAutoFit/>
-          </a:bodyPr>
-          <a:lstStyle/>
-          <a:p>
-            <a:pPr lvl="0">
-              <a:lnSpc>
-                <a:spcPct val="107000"/>
-              </a:lnSpc>
-              <a:spcAft>
-                <a:spcPts val="800"/>
-              </a:spcAft>
-            </a:pPr>
-            <a:r>
-              <a:rPr lang="en-US" dirty="0" smtClean="0">
-                <a:latin typeface="Segoe UI" panose="020B0502040204020203" pitchFamily="34" charset="0"/>
-                <a:ea typeface="Calibri" panose="020F0502020204030204" pitchFamily="34" charset="0"/>
-                <a:cs typeface="Times New Roman" panose="02020603050405020304" pitchFamily="18" charset="0"/>
-              </a:rPr>
-              <a:t>Explore the items that can be added to the Dashboard</a:t>
-            </a:r>
-            <a:endParaRPr lang="en-US" dirty="0">
-              <a:latin typeface="Calibri" panose="020F0502020204030204" pitchFamily="34" charset="0"/>
-              <a:ea typeface="Calibri" panose="020F0502020204030204" pitchFamily="34" charset="0"/>
-              <a:cs typeface="Times New Roman" panose="02020603050405020304" pitchFamily="18" charset="0"/>
             </a:endParaRPr>
           </a:p>
         </p:txBody>
@@ -5027,6 +4606,43 @@
           </a:effectLst>
         </p:spPr>
       </p:pic>
+      <p:sp>
+        <p:nvSpPr>
+          <p:cNvPr id="4" name="Rectangle 3"/>
+          <p:cNvSpPr/>
+          <p:nvPr/>
+        </p:nvSpPr>
+        <p:spPr>
+          <a:xfrm>
+            <a:off x="295632" y="749490"/>
+            <a:ext cx="6255815" cy="400110"/>
+          </a:xfrm>
+          <a:prstGeom prst="rect">
+            <a:avLst/>
+          </a:prstGeom>
+        </p:spPr>
+        <p:txBody>
+          <a:bodyPr wrap="none">
+            <a:spAutoFit/>
+          </a:bodyPr>
+          <a:lstStyle/>
+          <a:p>
+            <a:r xmlns:a="http://schemas.openxmlformats.org/drawingml/2006/main">
+              <a:rPr lang="en" sz="2000" dirty="0"/>
+              <a:t>Explore the items that can be added to the </a:t>
+            </a:r>
+            <a:r xmlns:a="http://schemas.openxmlformats.org/drawingml/2006/main">
+              <a:rPr lang="en" sz="2000" b="1" dirty="0"/>
+              <a:t>Dashboard </a:t>
+            </a:r>
+            <a:r xmlns:a="http://schemas.openxmlformats.org/drawingml/2006/main">
+              <a:rPr lang="en" sz="2000" dirty="0"/>
+              <a:t>.</a:t>
+            </a:r>
+            <a:endParaRPr xmlns:a="http://schemas.openxmlformats.org/drawingml/2006/main" lang="en-US" sz="2000" dirty="0"/>
+          </a:p>
+        </p:txBody>
+      </p:sp>
     </p:spTree>
     <p:extLst>
       <p:ext uri="{BB962C8B-B14F-4D97-AF65-F5344CB8AC3E}">
@@ -5066,7 +4682,7 @@
         <p:spPr>
           <a:xfrm>
             <a:off x="295632" y="275007"/>
-            <a:ext cx="3024289" cy="461665"/>
+            <a:ext cx="2696829" cy="400110"/>
           </a:xfrm>
           <a:prstGeom prst="rect">
             <a:avLst/>
@@ -5079,147 +4695,30 @@
           </a:bodyPr>
           <a:lstStyle/>
           <a:p>
-            <a:r>
-              <a:rPr lang="fr-FR" sz="2400" dirty="0" err="1" smtClean="0">
+            <a:r xmlns:a="http://schemas.openxmlformats.org/drawingml/2006/main">
+              <a:rPr lang="en" sz="2000" b="1" dirty="0" err="1" smtClean="0">
                 <a:latin typeface="Segoe UI" panose="020B0502040204020203" pitchFamily="34" charset="0"/>
                 <a:cs typeface="Segoe UI" panose="020B0502040204020203" pitchFamily="34" charset="0"/>
               </a:rPr>
               <a:t>Creating</a:t>
             </a:r>
-            <a:r>
-              <a:rPr lang="fr-FR" sz="2400" dirty="0" smtClean="0">
+            <a:r xmlns:a="http://schemas.openxmlformats.org/drawingml/2006/main">
+              <a:rPr lang="en" sz="2000" b="1" dirty="0" smtClean="0">
                 <a:latin typeface="Segoe UI" panose="020B0502040204020203" pitchFamily="34" charset="0"/>
                 <a:cs typeface="Segoe UI" panose="020B0502040204020203" pitchFamily="34" charset="0"/>
               </a:rPr>
               <a:t> </a:t>
             </a:r>
-            <a:r>
-              <a:rPr lang="fr-FR" sz="2400" dirty="0" err="1" smtClean="0">
+            <a:r xmlns:a="http://schemas.openxmlformats.org/drawingml/2006/main">
+              <a:rPr lang="en" sz="2000" b="1" dirty="0" err="1" smtClean="0">
                 <a:latin typeface="Segoe UI" panose="020B0502040204020203" pitchFamily="34" charset="0"/>
                 <a:cs typeface="Segoe UI" panose="020B0502040204020203" pitchFamily="34" charset="0"/>
               </a:rPr>
               <a:t>Dashboards</a:t>
             </a:r>
-            <a:endParaRPr lang="en-US" sz="2400" dirty="0">
+            <a:endParaRPr xmlns:a="http://schemas.openxmlformats.org/drawingml/2006/main" lang="en-US" sz="2000" b="1" dirty="0">
               <a:latin typeface="Segoe UI" panose="020B0502040204020203" pitchFamily="34" charset="0"/>
               <a:cs typeface="Segoe UI" panose="020B0502040204020203" pitchFamily="34" charset="0"/>
-            </a:endParaRPr>
-          </a:p>
-        </p:txBody>
-      </p:sp>
-      <p:sp>
-        <p:nvSpPr>
-          <p:cNvPr id="4" name="Rectangle 3"/>
-          <p:cNvSpPr/>
-          <p:nvPr/>
-        </p:nvSpPr>
-        <p:spPr>
-          <a:xfrm>
-            <a:off x="405282" y="841408"/>
-            <a:ext cx="3870098" cy="388696"/>
-          </a:xfrm>
-          <a:prstGeom prst="rect">
-            <a:avLst/>
-          </a:prstGeom>
-        </p:spPr>
-        <p:txBody>
-          <a:bodyPr wrap="none">
-            <a:spAutoFit/>
-          </a:bodyPr>
-          <a:lstStyle/>
-          <a:p>
-            <a:pPr lvl="0">
-              <a:lnSpc>
-                <a:spcPct val="107000"/>
-              </a:lnSpc>
-              <a:spcAft>
-                <a:spcPts val="800"/>
-              </a:spcAft>
-            </a:pPr>
-            <a:r>
-              <a:rPr lang="fr-FR" dirty="0" err="1" smtClean="0">
-                <a:latin typeface="Segoe UI" panose="020B0502040204020203" pitchFamily="34" charset="0"/>
-                <a:ea typeface="Calibri" panose="020F0502020204030204" pitchFamily="34" charset="0"/>
-                <a:cs typeface="Times New Roman" panose="02020603050405020304" pitchFamily="18" charset="0"/>
-              </a:rPr>
-              <a:t>Add</a:t>
-            </a:r>
-            <a:r>
-              <a:rPr lang="fr-FR" dirty="0" smtClean="0">
-                <a:latin typeface="Segoe UI" panose="020B0502040204020203" pitchFamily="34" charset="0"/>
-                <a:ea typeface="Calibri" panose="020F0502020204030204" pitchFamily="34" charset="0"/>
-                <a:cs typeface="Times New Roman" panose="02020603050405020304" pitchFamily="18" charset="0"/>
-              </a:rPr>
-              <a:t> </a:t>
-            </a:r>
-            <a:r>
-              <a:rPr lang="fr-FR" b="1" dirty="0" err="1" smtClean="0">
-                <a:latin typeface="Segoe UI" panose="020B0502040204020203" pitchFamily="34" charset="0"/>
-                <a:ea typeface="Calibri" panose="020F0502020204030204" pitchFamily="34" charset="0"/>
-                <a:cs typeface="Times New Roman" panose="02020603050405020304" pitchFamily="18" charset="0"/>
-              </a:rPr>
-              <a:t>Text</a:t>
-            </a:r>
-            <a:r>
-              <a:rPr lang="fr-FR" b="1" dirty="0" smtClean="0">
-                <a:latin typeface="Segoe UI" panose="020B0502040204020203" pitchFamily="34" charset="0"/>
-                <a:ea typeface="Calibri" panose="020F0502020204030204" pitchFamily="34" charset="0"/>
-                <a:cs typeface="Times New Roman" panose="02020603050405020304" pitchFamily="18" charset="0"/>
-              </a:rPr>
-              <a:t> </a:t>
-            </a:r>
-            <a:r>
-              <a:rPr lang="fr-FR" b="1" dirty="0">
-                <a:latin typeface="Segoe UI" panose="020B0502040204020203" pitchFamily="34" charset="0"/>
-                <a:ea typeface="Calibri" panose="020F0502020204030204" pitchFamily="34" charset="0"/>
-                <a:cs typeface="Times New Roman" panose="02020603050405020304" pitchFamily="18" charset="0"/>
-              </a:rPr>
-              <a:t>box </a:t>
-            </a:r>
-            <a:r>
-              <a:rPr lang="fr-FR" dirty="0" err="1">
-                <a:latin typeface="Segoe UI" panose="020B0502040204020203" pitchFamily="34" charset="0"/>
-                <a:ea typeface="Calibri" panose="020F0502020204030204" pitchFamily="34" charset="0"/>
-                <a:cs typeface="Times New Roman" panose="02020603050405020304" pitchFamily="18" charset="0"/>
-              </a:rPr>
-              <a:t>element</a:t>
-            </a:r>
-            <a:r>
-              <a:rPr lang="fr-FR" dirty="0">
-                <a:latin typeface="Segoe UI" panose="020B0502040204020203" pitchFamily="34" charset="0"/>
-                <a:ea typeface="Calibri" panose="020F0502020204030204" pitchFamily="34" charset="0"/>
-                <a:cs typeface="Times New Roman" panose="02020603050405020304" pitchFamily="18" charset="0"/>
-              </a:rPr>
-              <a:t> to </a:t>
-            </a:r>
-            <a:r>
-              <a:rPr lang="fr-FR" dirty="0" err="1">
-                <a:latin typeface="Segoe UI" panose="020B0502040204020203" pitchFamily="34" charset="0"/>
-                <a:ea typeface="Calibri" panose="020F0502020204030204" pitchFamily="34" charset="0"/>
-                <a:cs typeface="Times New Roman" panose="02020603050405020304" pitchFamily="18" charset="0"/>
-              </a:rPr>
-              <a:t>add</a:t>
-            </a:r>
-            <a:r>
-              <a:rPr lang="fr-FR" dirty="0">
-                <a:latin typeface="Segoe UI" panose="020B0502040204020203" pitchFamily="34" charset="0"/>
-                <a:ea typeface="Calibri" panose="020F0502020204030204" pitchFamily="34" charset="0"/>
-                <a:cs typeface="Times New Roman" panose="02020603050405020304" pitchFamily="18" charset="0"/>
-              </a:rPr>
-              <a:t> a </a:t>
-            </a:r>
-            <a:r>
-              <a:rPr lang="fr-FR" dirty="0" err="1">
-                <a:latin typeface="Segoe UI" panose="020B0502040204020203" pitchFamily="34" charset="0"/>
-                <a:ea typeface="Calibri" panose="020F0502020204030204" pitchFamily="34" charset="0"/>
-                <a:cs typeface="Times New Roman" panose="02020603050405020304" pitchFamily="18" charset="0"/>
-              </a:rPr>
-              <a:t>title</a:t>
-            </a:r>
-            <a:endParaRPr lang="en-US" dirty="0">
-              <a:latin typeface="Calibri" panose="020F0502020204030204" pitchFamily="34" charset="0"/>
-              <a:ea typeface="Calibri" panose="020F0502020204030204" pitchFamily="34" charset="0"/>
-              <a:cs typeface="Times New Roman" panose="02020603050405020304" pitchFamily="18" charset="0"/>
             </a:endParaRPr>
           </a:p>
         </p:txBody>
@@ -5263,6 +4762,47 @@
           </a:effectLst>
         </p:spPr>
       </p:pic>
+      <p:sp>
+        <p:nvSpPr>
+          <p:cNvPr id="3" name="Rectangle 2"/>
+          <p:cNvSpPr/>
+          <p:nvPr/>
+        </p:nvSpPr>
+        <p:spPr>
+          <a:xfrm>
+            <a:off x="342459" y="777712"/>
+            <a:ext cx="5401543" cy="400110"/>
+          </a:xfrm>
+          <a:prstGeom prst="rect">
+            <a:avLst/>
+          </a:prstGeom>
+        </p:spPr>
+        <p:txBody>
+          <a:bodyPr wrap="none">
+            <a:spAutoFit/>
+          </a:bodyPr>
+          <a:lstStyle/>
+          <a:p>
+            <a:r xmlns:a="http://schemas.openxmlformats.org/drawingml/2006/main">
+              <a:rPr lang="en" sz="2000" dirty="0"/>
+              <a:t>Add a </a:t>
+            </a:r>
+            <a:r xmlns:a="http://schemas.openxmlformats.org/drawingml/2006/main">
+              <a:rPr lang="en" sz="2000" b="1" dirty="0" err="1"/>
+              <a:t>Text </a:t>
+            </a:r>
+            <a:r xmlns:a="http://schemas.openxmlformats.org/drawingml/2006/main">
+              <a:rPr lang="en" sz="2000" b="1" dirty="0"/>
+              <a:t>box element </a:t>
+            </a:r>
+            <a:r xmlns:a="http://schemas.openxmlformats.org/drawingml/2006/main">
+              <a:rPr lang="en" sz="2000" dirty="0"/>
+              <a:t>to insert a title.</a:t>
+            </a:r>
+            <a:endParaRPr xmlns:a="http://schemas.openxmlformats.org/drawingml/2006/main" lang="en-US" sz="2000" dirty="0"/>
+          </a:p>
+        </p:txBody>
+      </p:sp>
     </p:spTree>
     <p:extLst>
       <p:ext uri="{BB962C8B-B14F-4D97-AF65-F5344CB8AC3E}">
@@ -5295,6 +4835,47 @@
       </p:grpSpPr>
       <p:sp>
         <p:nvSpPr>
+          <p:cNvPr id="4" name="Rectangle 3"/>
+          <p:cNvSpPr/>
+          <p:nvPr/>
+        </p:nvSpPr>
+        <p:spPr>
+          <a:xfrm>
+            <a:off x="425348" y="742131"/>
+            <a:ext cx="9435495" cy="369332"/>
+          </a:xfrm>
+          <a:prstGeom prst="rect">
+            <a:avLst/>
+          </a:prstGeom>
+        </p:spPr>
+        <p:txBody>
+          <a:bodyPr wrap="square">
+            <a:spAutoFit/>
+          </a:bodyPr>
+          <a:lstStyle/>
+          <a:p>
+            <a:r xmlns:a="http://schemas.openxmlformats.org/drawingml/2006/main">
+              <a:rPr lang="en" dirty="0"/>
+              <a:t>To return to one of the reports and select a visual, click the </a:t>
+            </a:r>
+            <a:r xmlns:a="http://schemas.openxmlformats.org/drawingml/2006/main">
+              <a:rPr lang="en" b="1" dirty="0"/>
+              <a:t>Pin the </a:t>
+            </a:r>
+            <a:r xmlns:a="http://schemas.openxmlformats.org/drawingml/2006/main">
+              <a:rPr lang="en" b="1" dirty="0" err="1"/>
+              <a:t>visual icon </a:t>
+            </a:r>
+            <a:r xmlns:a="http://schemas.openxmlformats.org/drawingml/2006/main">
+              <a:rPr lang="en" dirty="0"/>
+              <a:t>.</a:t>
+            </a:r>
+            <a:endParaRPr xmlns:a="http://schemas.openxmlformats.org/drawingml/2006/main" lang="en-US" dirty="0"/>
+          </a:p>
+        </p:txBody>
+      </p:sp>
+      <p:sp>
+        <p:nvSpPr>
           <p:cNvPr id="2" name="TextBox 1"/>
           <p:cNvSpPr txBox="1"/>
           <p:nvPr/>
@@ -5302,7 +4883,7 @@
         <p:spPr>
           <a:xfrm>
             <a:off x="295632" y="275007"/>
-            <a:ext cx="3024289" cy="461665"/>
+            <a:ext cx="2696829" cy="400110"/>
           </a:xfrm>
           <a:prstGeom prst="rect">
             <a:avLst/>
@@ -5315,37 +4896,78 @@
           </a:bodyPr>
           <a:lstStyle/>
           <a:p>
-            <a:r>
-              <a:rPr lang="fr-FR" sz="2400" dirty="0" err="1" smtClean="0">
+            <a:r xmlns:a="http://schemas.openxmlformats.org/drawingml/2006/main">
+              <a:rPr lang="en" sz="2000" b="1" dirty="0" err="1" smtClean="0">
                 <a:latin typeface="Segoe UI" panose="020B0502040204020203" pitchFamily="34" charset="0"/>
                 <a:cs typeface="Segoe UI" panose="020B0502040204020203" pitchFamily="34" charset="0"/>
               </a:rPr>
               <a:t>Creating</a:t>
             </a:r>
-            <a:r>
-              <a:rPr lang="fr-FR" sz="2400" dirty="0" smtClean="0">
+            <a:r xmlns:a="http://schemas.openxmlformats.org/drawingml/2006/main">
+              <a:rPr lang="en" sz="2000" b="1" dirty="0" smtClean="0">
                 <a:latin typeface="Segoe UI" panose="020B0502040204020203" pitchFamily="34" charset="0"/>
                 <a:cs typeface="Segoe UI" panose="020B0502040204020203" pitchFamily="34" charset="0"/>
               </a:rPr>
               <a:t> </a:t>
             </a:r>
-            <a:r>
-              <a:rPr lang="fr-FR" sz="2400" dirty="0" err="1" smtClean="0">
+            <a:r xmlns:a="http://schemas.openxmlformats.org/drawingml/2006/main">
+              <a:rPr lang="en" sz="2000" b="1" dirty="0" err="1" smtClean="0">
                 <a:latin typeface="Segoe UI" panose="020B0502040204020203" pitchFamily="34" charset="0"/>
                 <a:cs typeface="Segoe UI" panose="020B0502040204020203" pitchFamily="34" charset="0"/>
               </a:rPr>
               <a:t>Dashboards</a:t>
             </a:r>
-            <a:endParaRPr lang="en-US" sz="2400" dirty="0">
+            <a:endParaRPr xmlns:a="http://schemas.openxmlformats.org/drawingml/2006/main" lang="en-US" sz="2000" b="1" dirty="0">
               <a:latin typeface="Segoe UI" panose="020B0502040204020203" pitchFamily="34" charset="0"/>
               <a:cs typeface="Segoe UI" panose="020B0502040204020203" pitchFamily="34" charset="0"/>
             </a:endParaRPr>
           </a:p>
         </p:txBody>
       </p:sp>
-      <p:sp>
-        <p:nvSpPr>
-          <p:cNvPr id="3" name="Rectangle 2"/>
+      <p:pic>
+        <p:nvPicPr>
+          <p:cNvPr id="1025" name="Picture 20"/>
+          <p:cNvPicPr>
+            <a:picLocks noChangeAspect="1" noChangeArrowheads="1"/>
+          </p:cNvPicPr>
+          <p:nvPr/>
+        </p:nvPicPr>
+        <p:blipFill>
+          <a:blip r:embed="rId2">
+            <a:extLst>
+              <a:ext uri="{28A0092B-C50C-407E-A947-70E740481C1C}">
+                <a14:useLocalDpi xmlns:a14="http://schemas.microsoft.com/office/drawing/2010/main" val="0"/>
+              </a:ext>
+            </a:extLst>
+          </a:blip>
+          <a:srcRect/>
+          <a:stretch>
+            <a:fillRect/>
+          </a:stretch>
+        </p:blipFill>
+        <p:spPr bwMode="auto">
+          <a:xfrm>
+            <a:off x="9054634" y="765218"/>
+            <a:ext cx="244950" cy="282064"/>
+          </a:xfrm>
+          <a:prstGeom prst="rect">
+            <a:avLst/>
+          </a:prstGeom>
+          <a:noFill/>
+          <a:extLst>
+            <a:ext uri="{909E8E84-426E-40DD-AFC4-6F175D3DCCD1}">
+              <a14:hiddenFill xmlns:a14="http://schemas.microsoft.com/office/drawing/2010/main">
+                <a:solidFill>
+                  <a:srgbClr val="FFFFFF"/>
+                </a:solidFill>
+              </a14:hiddenFill>
+            </a:ext>
+          </a:extLst>
+        </p:spPr>
+      </p:pic>
+      <p:sp>
+        <p:nvSpPr>
+          <p:cNvPr id="5" name="Rectangle 3"/>
           <p:cNvSpPr>
             <a:spLocks noChangeArrowheads="1"/>
           </p:cNvSpPr>
@@ -5353,8 +4975,8 @@
         </p:nvSpPr>
         <p:spPr bwMode="auto">
           <a:xfrm>
-            <a:off x="412045" y="811383"/>
-            <a:ext cx="7730963" cy="307777"/>
+            <a:off x="869245" y="1296673"/>
+            <a:ext cx="309700" cy="276999"/>
           </a:xfrm>
           <a:prstGeom prst="rect">
             <a:avLst/>
@@ -5402,7 +5024,7 @@
           </a:bodyPr>
           <a:lstStyle/>
           <a:p>
-            <a:pPr marL="0" marR="0" lvl="0" indent="0" algn="l" defTabSz="914400" rtl="0" eaLnBrk="0" fontAlgn="base" latinLnBrk="0" hangingPunct="0">
+            <a:pPr xmlns:a="http://schemas.openxmlformats.org/drawingml/2006/main" marL="0" marR="0" lvl="0" indent="0" algn="l" defTabSz="914400" rtl="0" eaLnBrk="0" fontAlgn="base" latinLnBrk="0" hangingPunct="0">
               <a:lnSpc>
                 <a:spcPct val="100000"/>
               </a:lnSpc>
@@ -5414,10 +5036,12 @@
               </a:spcAft>
               <a:buClrTx/>
               <a:buSzTx/>
+              <a:buFontTx/>
+              <a:buNone/>
               <a:tabLst/>
             </a:pPr>
-            <a:r>
-              <a:rPr kumimoji="0" lang="fr-FR" altLang="en-US" sz="1400" b="0" i="0" u="none" strike="noStrike" cap="none" normalizeH="0" baseline="0" dirty="0" smtClean="0">
+            <a:r xmlns:a="http://schemas.openxmlformats.org/drawingml/2006/main">
+              <a:rPr kumimoji="0" lang="en" altLang="en-US" sz="1200" b="0" i="0" u="none" strike="noStrike" cap="none" normalizeH="0" baseline="0" smtClean="0">
                 <a:ln>
                   <a:noFill/>
                 </a:ln>
@@ -5429,114 +5053,9 @@
                 <a:ea typeface="Calibri" panose="020F0502020204030204" pitchFamily="34" charset="0"/>
                 <a:cs typeface="Segoe UI" panose="020B0502040204020203" pitchFamily="34" charset="0"/>
               </a:rPr>
-              <a:t>To return to one of the reports and select one of the </a:t>
-            </a:r>
-            <a:r>
-              <a:rPr kumimoji="0" lang="fr-FR" altLang="en-US" sz="1400" b="0" i="0" u="none" strike="noStrike" cap="none" normalizeH="0" baseline="0" dirty="0" err="1" smtClean="0">
-                <a:ln>
-                  <a:noFill/>
-                </a:ln>
-                <a:solidFill>
-                  <a:schemeClr val="tx1"/>
-                </a:solidFill>
-                <a:effectLst/>
-                <a:latin typeface="Segoe UI" panose="020B0502040204020203" pitchFamily="34" charset="0"/>
-                <a:ea typeface="Calibri" panose="020F0502020204030204" pitchFamily="34" charset="0"/>
-                <a:cs typeface="Segoe UI" panose="020B0502040204020203" pitchFamily="34" charset="0"/>
-              </a:rPr>
-              <a:t>visuals</a:t>
-            </a:r>
-            <a:r>
-              <a:rPr kumimoji="0" lang="fr-FR" altLang="en-US" sz="1400" b="0" i="0" u="none" strike="noStrike" cap="none" normalizeH="0" baseline="0" dirty="0" smtClean="0">
-                <a:ln>
-                  <a:noFill/>
-                </a:ln>
-                <a:solidFill>
-                  <a:schemeClr val="tx1"/>
-                </a:solidFill>
-                <a:effectLst/>
-                <a:latin typeface="Segoe UI" panose="020B0502040204020203" pitchFamily="34" charset="0"/>
-                <a:ea typeface="Calibri" panose="020F0502020204030204" pitchFamily="34" charset="0"/>
-                <a:cs typeface="Segoe UI" panose="020B0502040204020203" pitchFamily="34" charset="0"/>
-              </a:rPr>
-              <a:t>, click the </a:t>
-            </a:r>
-            <a:r>
-              <a:rPr kumimoji="0" lang="fr-FR" altLang="en-US" sz="1400" b="0" i="0" u="none" strike="noStrike" cap="none" normalizeH="0" baseline="0" dirty="0" err="1" smtClean="0">
-                <a:ln>
-                  <a:noFill/>
-                </a:ln>
-                <a:solidFill>
-                  <a:schemeClr val="tx1"/>
-                </a:solidFill>
-                <a:effectLst/>
-                <a:latin typeface="Segoe UI" panose="020B0502040204020203" pitchFamily="34" charset="0"/>
-                <a:ea typeface="Calibri" panose="020F0502020204030204" pitchFamily="34" charset="0"/>
-                <a:cs typeface="Segoe UI" panose="020B0502040204020203" pitchFamily="34" charset="0"/>
-              </a:rPr>
-              <a:t>icon</a:t>
-            </a:r>
-            <a:r>
-              <a:rPr kumimoji="0" lang="fr-FR" altLang="en-US" sz="1400" b="0" i="0" u="none" strike="noStrike" cap="none" normalizeH="0" baseline="0" dirty="0" smtClean="0">
-                <a:ln>
-                  <a:noFill/>
-                </a:ln>
-                <a:solidFill>
-                  <a:schemeClr val="tx1"/>
-                </a:solidFill>
-                <a:effectLst/>
-                <a:latin typeface="Segoe UI" panose="020B0502040204020203" pitchFamily="34" charset="0"/>
-                <a:ea typeface="Calibri" panose="020F0502020204030204" pitchFamily="34" charset="0"/>
-                <a:cs typeface="Segoe UI" panose="020B0502040204020203" pitchFamily="34" charset="0"/>
-              </a:rPr>
-              <a:t>            </a:t>
-            </a:r>
-            <a:r>
-              <a:rPr kumimoji="0" lang="fr-FR" altLang="en-US" sz="1400" b="1" i="0" u="none" strike="noStrike" cap="none" normalizeH="0" baseline="0" dirty="0" smtClean="0">
-                <a:ln>
-                  <a:noFill/>
-                </a:ln>
-                <a:solidFill>
-                  <a:schemeClr val="tx1"/>
-                </a:solidFill>
-                <a:effectLst/>
-                <a:latin typeface="Segoe UI" panose="020B0502040204020203" pitchFamily="34" charset="0"/>
-                <a:ea typeface="Calibri" panose="020F0502020204030204" pitchFamily="34" charset="0"/>
-                <a:cs typeface="Segoe UI" panose="020B0502040204020203" pitchFamily="34" charset="0"/>
-              </a:rPr>
-              <a:t>Pin the</a:t>
-            </a:r>
-            <a:r>
-              <a:rPr kumimoji="0" lang="fr-FR" altLang="en-US" sz="1400" b="1" i="0" u="none" strike="noStrike" cap="none" normalizeH="0" dirty="0" smtClean="0">
-                <a:ln>
-                  <a:noFill/>
-                </a:ln>
-                <a:solidFill>
-                  <a:schemeClr val="tx1"/>
-                </a:solidFill>
-                <a:effectLst/>
-                <a:latin typeface="Segoe UI" panose="020B0502040204020203" pitchFamily="34" charset="0"/>
-                <a:ea typeface="Calibri" panose="020F0502020204030204" pitchFamily="34" charset="0"/>
-                <a:cs typeface="Segoe UI" panose="020B0502040204020203" pitchFamily="34" charset="0"/>
-              </a:rPr>
-              <a:t> </a:t>
-            </a:r>
-            <a:r>
-              <a:rPr kumimoji="0" lang="fr-FR" altLang="en-US" sz="1400" b="1" i="0" u="none" strike="noStrike" cap="none" normalizeH="0" dirty="0" err="1" smtClean="0">
-                <a:ln>
-                  <a:noFill/>
-                </a:ln>
-                <a:solidFill>
-                  <a:schemeClr val="tx1"/>
-                </a:solidFill>
-                <a:effectLst/>
-                <a:latin typeface="Segoe UI" panose="020B0502040204020203" pitchFamily="34" charset="0"/>
-                <a:ea typeface="Calibri" panose="020F0502020204030204" pitchFamily="34" charset="0"/>
-                <a:cs typeface="Segoe UI" panose="020B0502040204020203" pitchFamily="34" charset="0"/>
-              </a:rPr>
-              <a:t>visual</a:t>
-            </a:r>
-            <a:endParaRPr kumimoji="0" lang="fr-FR" altLang="en-US" sz="1400" b="1" i="0" u="none" strike="noStrike" cap="none" normalizeH="0" baseline="0" dirty="0" smtClean="0">
+              <a:t>   </a:t>
+            </a:r>
+            <a:endParaRPr xmlns:a="http://schemas.openxmlformats.org/drawingml/2006/main" kumimoji="0" lang="fr-FR" altLang="en-US" sz="1200" b="0" i="0" u="none" strike="noStrike" cap="none" normalizeH="0" baseline="0" smtClean="0">
               <a:ln>
                 <a:noFill/>
               </a:ln>
@@ -5551,45 +5070,278 @@
       </p:sp>
       <p:pic>
         <p:nvPicPr>
-          <p:cNvPr id="1025" name="Picture 20"/>
+          <p:cNvPr id="9" name="Picture 8"/>
           <p:cNvPicPr>
-            <a:picLocks noChangeAspect="1" noChangeArrowheads="1"/>
+            <a:picLocks noChangeAspect="1"/>
           </p:cNvPicPr>
           <p:nvPr/>
         </p:nvPicPr>
         <p:blipFill>
-          <a:blip r:embed="rId2">
-            <a:extLst>
-              <a:ext uri="{28A0092B-C50C-407E-A947-70E740481C1C}">
-                <a14:useLocalDpi xmlns:a14="http://schemas.microsoft.com/office/drawing/2010/main" val="0"/>
-              </a:ext>
-            </a:extLst>
-          </a:blip>
-          <a:srcRect/>
+          <a:blip r:embed="rId3"/>
           <a:stretch>
             <a:fillRect/>
           </a:stretch>
         </p:blipFill>
-        <p:spPr bwMode="auto">
-          <a:xfrm>
-            <a:off x="6416574" y="844621"/>
-            <a:ext cx="209550" cy="241300"/>
+        <p:spPr>
+          <a:xfrm>
+            <a:off x="481792" y="1212685"/>
+            <a:ext cx="2516985" cy="2411072"/>
+          </a:xfrm>
+          <a:prstGeom prst="rect">
+            <a:avLst/>
+          </a:prstGeom>
+          <a:ln>
+            <a:noFill/>
+          </a:ln>
+          <a:effectLst>
+            <a:outerShdw blurRad="292100" dist="139700" dir="2700000" algn="tl" rotWithShape="0">
+              <a:srgbClr val="333333">
+                <a:alpha val="65000"/>
+              </a:srgbClr>
+            </a:outerShdw>
+          </a:effectLst>
+        </p:spPr>
+      </p:pic>
+      <p:pic>
+        <p:nvPicPr>
+          <p:cNvPr id="12" name="Picture 11"/>
+          <p:cNvPicPr>
+            <a:picLocks noChangeAspect="1"/>
+          </p:cNvPicPr>
+          <p:nvPr/>
+        </p:nvPicPr>
+        <p:blipFill rotWithShape="1">
+          <a:blip r:embed="rId3"/>
+          <a:srcRect l="45995" t="605" r="29112" b="86519"/>
+          <a:stretch/>
+        </p:blipFill>
+        <p:spPr>
+          <a:xfrm>
+            <a:off x="3117310" y="1296673"/>
+            <a:ext cx="1412547" cy="699911"/>
+          </a:xfrm>
+          <a:prstGeom prst="rect">
+            <a:avLst/>
+          </a:prstGeom>
+          <a:ln>
+            <a:noFill/>
+          </a:ln>
+          <a:effectLst>
+            <a:outerShdw blurRad="292100" dist="139700" dir="2700000" algn="tl" rotWithShape="0">
+              <a:srgbClr val="333333">
+                <a:alpha val="65000"/>
+              </a:srgbClr>
+            </a:outerShdw>
+          </a:effectLst>
+        </p:spPr>
+      </p:pic>
+      <p:pic>
+        <p:nvPicPr>
+          <p:cNvPr id="13" name="Picture 12"/>
+          <p:cNvPicPr>
+            <a:picLocks noChangeAspect="1"/>
+          </p:cNvPicPr>
+          <p:nvPr/>
+        </p:nvPicPr>
+        <p:blipFill>
+          <a:blip r:embed="rId4"/>
+          <a:stretch>
+            <a:fillRect/>
+          </a:stretch>
+        </p:blipFill>
+        <p:spPr>
+          <a:xfrm>
+            <a:off x="9076888" y="789114"/>
+            <a:ext cx="200442" cy="233849"/>
+          </a:xfrm>
+          <a:prstGeom prst="rect">
+            <a:avLst/>
+          </a:prstGeom>
+        </p:spPr>
+      </p:pic>
+      <p:pic>
+        <p:nvPicPr>
+          <p:cNvPr id="14" name="Picture 13"/>
+          <p:cNvPicPr>
+            <a:picLocks noChangeAspect="1"/>
+          </p:cNvPicPr>
+          <p:nvPr/>
+        </p:nvPicPr>
+        <p:blipFill>
+          <a:blip r:embed="rId5"/>
+          <a:stretch>
+            <a:fillRect/>
+          </a:stretch>
+        </p:blipFill>
+        <p:spPr>
+          <a:xfrm>
+            <a:off x="453750" y="4495868"/>
+            <a:ext cx="3845194" cy="2257834"/>
+          </a:xfrm>
+          <a:prstGeom prst="rect">
+            <a:avLst/>
+          </a:prstGeom>
+          <a:ln>
+            <a:noFill/>
+          </a:ln>
+          <a:effectLst>
+            <a:outerShdw blurRad="292100" dist="139700" dir="2700000" algn="tl" rotWithShape="0">
+              <a:srgbClr val="333333">
+                <a:alpha val="65000"/>
+              </a:srgbClr>
+            </a:outerShdw>
+          </a:effectLst>
+        </p:spPr>
+      </p:pic>
+      <p:sp>
+        <p:nvSpPr>
+          <p:cNvPr id="7" name="Rectangle 6"/>
+          <p:cNvSpPr/>
+          <p:nvPr/>
+        </p:nvSpPr>
+        <p:spPr>
+          <a:xfrm>
+            <a:off x="425348" y="3724979"/>
+            <a:ext cx="11439274" cy="707886"/>
+          </a:xfrm>
+          <a:prstGeom prst="rect">
+            <a:avLst/>
+          </a:prstGeom>
+        </p:spPr>
+        <p:txBody>
+          <a:bodyPr wrap="square">
+            <a:spAutoFit/>
+          </a:bodyPr>
+          <a:lstStyle/>
+          <a:p>
+            <a:r xmlns:a="http://schemas.openxmlformats.org/drawingml/2006/main">
+              <a:rPr lang="en" sz="2000" b="1" dirty="0" err="1"/>
+              <a:t>Existing </a:t>
+            </a:r>
+            <a:r xmlns:a="http://schemas.openxmlformats.org/drawingml/2006/main">
+              <a:rPr lang="en" sz="2000" b="1" dirty="0"/>
+              <a:t>Visual </a:t>
+            </a:r>
+            <a:r xmlns:a="http://schemas.openxmlformats.org/drawingml/2006/main">
+              <a:rPr lang="en" sz="2000" dirty="0"/>
+              <a:t>radio button </a:t>
+            </a:r>
+            <a:r xmlns:a="http://schemas.openxmlformats.org/drawingml/2006/main">
+              <a:rPr lang="en" sz="2000" dirty="0"/>
+              <a:t>, then choose the </a:t>
+            </a:r>
+            <a:r xmlns:a="http://schemas.openxmlformats.org/drawingml/2006/main">
+              <a:rPr lang="en" sz="2000" dirty="0"/>
+              <a:t>previously created </a:t>
+            </a:r>
+            <a:r xmlns:a="http://schemas.openxmlformats.org/drawingml/2006/main">
+              <a:rPr lang="en" sz="2000" b="1" dirty="0"/>
+              <a:t>Dashboard from the </a:t>
+            </a:r>
+            <a:r xmlns:a="http://schemas.openxmlformats.org/drawingml/2006/main">
+              <a:rPr lang="en" sz="2000" b="1" dirty="0"/>
+              <a:t>Select </a:t>
+            </a:r>
+            <a:r xmlns:a="http://schemas.openxmlformats.org/drawingml/2006/main">
+              <a:rPr lang="en" sz="2000" b="1" dirty="0" err="1"/>
+              <a:t>existing drop-down list</a:t>
+            </a:r>
+            <a:r xmlns:a="http://schemas.openxmlformats.org/drawingml/2006/main">
+              <a:rPr lang="en" sz="2000" b="1" dirty="0"/>
+              <a:t> </a:t>
+            </a:r>
+            <a:r xmlns:a="http://schemas.openxmlformats.org/drawingml/2006/main">
+              <a:rPr lang="en" sz="2000" b="1" dirty="0" err="1"/>
+              <a:t>dashboard </a:t>
+            </a:r>
+            <a:r xmlns:a="http://schemas.openxmlformats.org/drawingml/2006/main">
+              <a:rPr lang="en" sz="2000" dirty="0"/>
+              <a:t>.</a:t>
+            </a:r>
+            <a:endParaRPr xmlns:a="http://schemas.openxmlformats.org/drawingml/2006/main" lang="en-US" sz="2000" dirty="0"/>
+          </a:p>
+        </p:txBody>
+      </p:sp>
+    </p:spTree>
+    <p:extLst>
+      <p:ext uri="{BB962C8B-B14F-4D97-AF65-F5344CB8AC3E}">
+        <p14:creationId xmlns:p14="http://schemas.microsoft.com/office/powerpoint/2010/main" val="730458685"/>
+      </p:ext>
+    </p:extLst>
+  </p:cSld>
+  <p:clrMapOvr>
+    <a:masterClrMapping/>
+  </p:clrMapOvr>
+</p:sld>
+</file>
+
+<file path=ppt/slides/slide9.xml><?xml version="1.0" encoding="utf-8"?>
+<p:sld xmlns:a="http://schemas.openxmlformats.org/drawingml/2006/main" xmlns:r="http://schemas.openxmlformats.org/officeDocument/2006/relationships" xmlns:p="http://schemas.openxmlformats.org/presentationml/2006/main">
+  <p:cSld>
+    <p:spTree>
+      <p:nvGrpSpPr>
+        <p:cNvPr id="1" name=""/>
+        <p:cNvGrpSpPr/>
+        <p:nvPr/>
+      </p:nvGrpSpPr>
+      <p:grpSpPr>
+        <a:xfrm>
+          <a:off x="0" y="0"/>
+          <a:ext cx="0" cy="0"/>
+          <a:chOff x="0" y="0"/>
+          <a:chExt cx="0" cy="0"/>
+        </a:xfrm>
+      </p:grpSpPr>
+      <p:sp>
+        <p:nvSpPr>
+          <p:cNvPr id="2" name="TextBox 1"/>
+          <p:cNvSpPr txBox="1"/>
+          <p:nvPr/>
+        </p:nvSpPr>
+        <p:spPr>
+          <a:xfrm>
+            <a:off x="295632" y="275007"/>
+            <a:ext cx="2696829" cy="400110"/>
           </a:xfrm>
           <a:prstGeom prst="rect">
             <a:avLst/>
           </a:prstGeom>
           <a:noFill/>
-          <a:extLst>
-            <a:ext uri="{909E8E84-426E-40DD-AFC4-6F175D3DCCD1}">
-              <a14:hiddenFill xmlns:a14="http://schemas.microsoft.com/office/drawing/2010/main">
-                <a:solidFill>
-                  <a:srgbClr val="FFFFFF"/>
-                </a:solidFill>
-              </a14:hiddenFill>
-            </a:ext>
-          </a:extLst>
-        </p:spPr>
-      </p:pic>
+        </p:spPr>
+        <p:txBody>
+          <a:bodyPr wrap="none" rtlCol="0">
+            <a:spAutoFit/>
+          </a:bodyPr>
+          <a:lstStyle/>
+          <a:p>
+            <a:r xmlns:a="http://schemas.openxmlformats.org/drawingml/2006/main">
+              <a:rPr lang="en" sz="2000" b="1" dirty="0" err="1" smtClean="0">
+                <a:latin typeface="Segoe UI" panose="020B0502040204020203" pitchFamily="34" charset="0"/>
+                <a:cs typeface="Segoe UI" panose="020B0502040204020203" pitchFamily="34" charset="0"/>
+              </a:rPr>
+              <a:t>Creating</a:t>
+            </a:r>
+            <a:r xmlns:a="http://schemas.openxmlformats.org/drawingml/2006/main">
+              <a:rPr lang="en" sz="2000" b="1" dirty="0" smtClean="0">
+                <a:latin typeface="Segoe UI" panose="020B0502040204020203" pitchFamily="34" charset="0"/>
+                <a:cs typeface="Segoe UI" panose="020B0502040204020203" pitchFamily="34" charset="0"/>
+              </a:rPr>
+              <a:t> </a:t>
+            </a:r>
+            <a:r xmlns:a="http://schemas.openxmlformats.org/drawingml/2006/main">
+              <a:rPr lang="en" sz="2000" b="1" dirty="0" err="1" smtClean="0">
+                <a:latin typeface="Segoe UI" panose="020B0502040204020203" pitchFamily="34" charset="0"/>
+                <a:cs typeface="Segoe UI" panose="020B0502040204020203" pitchFamily="34" charset="0"/>
+              </a:rPr>
+              <a:t>Dashboards</a:t>
+            </a:r>
+            <a:endParaRPr xmlns:a="http://schemas.openxmlformats.org/drawingml/2006/main" lang="en-US" sz="2000" b="1" dirty="0">
+              <a:latin typeface="Segoe UI" panose="020B0502040204020203" pitchFamily="34" charset="0"/>
+              <a:cs typeface="Segoe UI" panose="020B0502040204020203" pitchFamily="34" charset="0"/>
+            </a:endParaRPr>
+          </a:p>
+        </p:txBody>
+      </p:sp>
       <p:sp>
         <p:nvSpPr>
           <p:cNvPr id="5" name="Rectangle 3"/>
@@ -5649,7 +5401,7 @@
           </a:bodyPr>
           <a:lstStyle/>
           <a:p>
-            <a:pPr marL="0" marR="0" lvl="0" indent="0" algn="l" defTabSz="914400" rtl="0" eaLnBrk="0" fontAlgn="base" latinLnBrk="0" hangingPunct="0">
+            <a:pPr xmlns:a="http://schemas.openxmlformats.org/drawingml/2006/main" marL="0" marR="0" lvl="0" indent="0" algn="l" defTabSz="914400" rtl="0" eaLnBrk="0" fontAlgn="base" latinLnBrk="0" hangingPunct="0">
               <a:lnSpc>
                 <a:spcPct val="100000"/>
               </a:lnSpc>
@@ -5665,8 +5417,8 @@
               <a:buNone/>
               <a:tabLst/>
             </a:pPr>
-            <a:r>
-              <a:rPr kumimoji="0" lang="fr-FR" altLang="en-US" sz="1200" b="0" i="0" u="none" strike="noStrike" cap="none" normalizeH="0" baseline="0" smtClean="0">
+            <a:r xmlns:a="http://schemas.openxmlformats.org/drawingml/2006/main">
+              <a:rPr kumimoji="0" lang="en" altLang="en-US" sz="1200" b="0" i="0" u="none" strike="noStrike" cap="none" normalizeH="0" baseline="0" smtClean="0">
                 <a:ln>
                   <a:noFill/>
                 </a:ln>
@@ -5680,7 +5432,7 @@
               </a:rPr>
               <a:t>   </a:t>
             </a:r>
-            <a:endParaRPr kumimoji="0" lang="fr-FR" altLang="en-US" sz="1200" b="0" i="0" u="none" strike="noStrike" cap="none" normalizeH="0" baseline="0" smtClean="0">
+            <a:endParaRPr xmlns:a="http://schemas.openxmlformats.org/drawingml/2006/main" kumimoji="0" lang="fr-FR" altLang="en-US" sz="1200" b="0" i="0" u="none" strike="noStrike" cap="none" normalizeH="0" baseline="0" smtClean="0">
               <a:ln>
                 <a:noFill/>
               </a:ln>
@@ -5689,601 +5441,6 @@
               </a:solidFill>
               <a:effectLst/>
               <a:latin typeface="Arial" panose="020B0604020202020204" pitchFamily="34" charset="0"/>
-            </a:endParaRPr>
-          </a:p>
-        </p:txBody>
-      </p:sp>
-      <p:sp>
-        <p:nvSpPr>
-          <p:cNvPr id="6" name="Rectangle 5"/>
-          <p:cNvSpPr/>
-          <p:nvPr/>
-        </p:nvSpPr>
-        <p:spPr>
-          <a:xfrm>
-            <a:off x="481792" y="3717283"/>
-            <a:ext cx="10598251" cy="685059"/>
-          </a:xfrm>
-          <a:prstGeom prst="rect">
-            <a:avLst/>
-          </a:prstGeom>
-        </p:spPr>
-        <p:txBody>
-          <a:bodyPr wrap="square">
-            <a:spAutoFit/>
-          </a:bodyPr>
-          <a:lstStyle/>
-          <a:p>
-            <a:pPr lvl="0">
-              <a:lnSpc>
-                <a:spcPct val="107000"/>
-              </a:lnSpc>
-              <a:spcAft>
-                <a:spcPts val="800"/>
-              </a:spcAft>
-            </a:pPr>
-            <a:r>
-              <a:rPr lang="fr-FR" dirty="0">
-                <a:latin typeface="Segoe UI" panose="020B0502040204020203" pitchFamily="34" charset="0"/>
-                <a:ea typeface="Calibri" panose="020F0502020204030204" pitchFamily="34" charset="0"/>
-                <a:cs typeface="Times New Roman" panose="02020603050405020304" pitchFamily="18" charset="0"/>
-              </a:rPr>
-              <a:t>Select the </a:t>
-            </a:r>
-            <a:r>
-              <a:rPr lang="fr-FR" b="1" dirty="0" err="1">
-                <a:latin typeface="Segoe UI" panose="020B0502040204020203" pitchFamily="34" charset="0"/>
-                <a:ea typeface="Calibri" panose="020F0502020204030204" pitchFamily="34" charset="0"/>
-                <a:cs typeface="Times New Roman" panose="02020603050405020304" pitchFamily="18" charset="0"/>
-              </a:rPr>
-              <a:t>Existing</a:t>
-            </a:r>
-            <a:r>
-              <a:rPr lang="fr-FR" b="1" dirty="0">
-                <a:latin typeface="Segoe UI" panose="020B0502040204020203" pitchFamily="34" charset="0"/>
-                <a:ea typeface="Calibri" panose="020F0502020204030204" pitchFamily="34" charset="0"/>
-                <a:cs typeface="Times New Roman" panose="02020603050405020304" pitchFamily="18" charset="0"/>
-              </a:rPr>
-              <a:t> Visual radio </a:t>
-            </a:r>
-            <a:r>
-              <a:rPr lang="fr-FR" b="1" dirty="0" err="1">
-                <a:latin typeface="Segoe UI" panose="020B0502040204020203" pitchFamily="34" charset="0"/>
-                <a:ea typeface="Calibri" panose="020F0502020204030204" pitchFamily="34" charset="0"/>
-                <a:cs typeface="Times New Roman" panose="02020603050405020304" pitchFamily="18" charset="0"/>
-              </a:rPr>
-              <a:t>button</a:t>
-            </a:r>
-            <a:r>
-              <a:rPr lang="fr-FR" b="1" dirty="0">
-                <a:latin typeface="Segoe UI" panose="020B0502040204020203" pitchFamily="34" charset="0"/>
-                <a:ea typeface="Calibri" panose="020F0502020204030204" pitchFamily="34" charset="0"/>
-                <a:cs typeface="Times New Roman" panose="02020603050405020304" pitchFamily="18" charset="0"/>
-              </a:rPr>
-              <a:t> </a:t>
-            </a:r>
-            <a:r>
-              <a:rPr lang="fr-FR" dirty="0">
-                <a:latin typeface="Segoe UI" panose="020B0502040204020203" pitchFamily="34" charset="0"/>
-                <a:ea typeface="Calibri" panose="020F0502020204030204" pitchFamily="34" charset="0"/>
-                <a:cs typeface="Times New Roman" panose="02020603050405020304" pitchFamily="18" charset="0"/>
-              </a:rPr>
-              <a:t>and </a:t>
-            </a:r>
-            <a:r>
-              <a:rPr lang="fr-FR" dirty="0" err="1">
-                <a:latin typeface="Segoe UI" panose="020B0502040204020203" pitchFamily="34" charset="0"/>
-                <a:ea typeface="Calibri" panose="020F0502020204030204" pitchFamily="34" charset="0"/>
-                <a:cs typeface="Times New Roman" panose="02020603050405020304" pitchFamily="18" charset="0"/>
-              </a:rPr>
-              <a:t>then</a:t>
-            </a:r>
-            <a:r>
-              <a:rPr lang="fr-FR" dirty="0">
-                <a:latin typeface="Segoe UI" panose="020B0502040204020203" pitchFamily="34" charset="0"/>
-                <a:ea typeface="Calibri" panose="020F0502020204030204" pitchFamily="34" charset="0"/>
-                <a:cs typeface="Times New Roman" panose="02020603050405020304" pitchFamily="18" charset="0"/>
-              </a:rPr>
-              <a:t> select the Dashboard </a:t>
-            </a:r>
-            <a:r>
-              <a:rPr lang="fr-FR" dirty="0" err="1">
-                <a:latin typeface="Segoe UI" panose="020B0502040204020203" pitchFamily="34" charset="0"/>
-                <a:ea typeface="Calibri" panose="020F0502020204030204" pitchFamily="34" charset="0"/>
-                <a:cs typeface="Times New Roman" panose="02020603050405020304" pitchFamily="18" charset="0"/>
-              </a:rPr>
-              <a:t>previously</a:t>
-            </a:r>
-            <a:r>
-              <a:rPr lang="fr-FR" dirty="0">
-                <a:latin typeface="Segoe UI" panose="020B0502040204020203" pitchFamily="34" charset="0"/>
-                <a:ea typeface="Calibri" panose="020F0502020204030204" pitchFamily="34" charset="0"/>
-                <a:cs typeface="Times New Roman" panose="02020603050405020304" pitchFamily="18" charset="0"/>
-              </a:rPr>
-              <a:t> </a:t>
-            </a:r>
-            <a:r>
-              <a:rPr lang="fr-FR" dirty="0" err="1">
-                <a:latin typeface="Segoe UI" panose="020B0502040204020203" pitchFamily="34" charset="0"/>
-                <a:ea typeface="Calibri" panose="020F0502020204030204" pitchFamily="34" charset="0"/>
-                <a:cs typeface="Times New Roman" panose="02020603050405020304" pitchFamily="18" charset="0"/>
-              </a:rPr>
-              <a:t>from</a:t>
-            </a:r>
-            <a:r>
-              <a:rPr lang="fr-FR" dirty="0">
-                <a:latin typeface="Segoe UI" panose="020B0502040204020203" pitchFamily="34" charset="0"/>
-                <a:ea typeface="Calibri" panose="020F0502020204030204" pitchFamily="34" charset="0"/>
-                <a:cs typeface="Times New Roman" panose="02020603050405020304" pitchFamily="18" charset="0"/>
-              </a:rPr>
-              <a:t> the </a:t>
-            </a:r>
-            <a:r>
-              <a:rPr lang="fr-FR" b="1" dirty="0">
-                <a:latin typeface="Segoe UI" panose="020B0502040204020203" pitchFamily="34" charset="0"/>
-                <a:ea typeface="Calibri" panose="020F0502020204030204" pitchFamily="34" charset="0"/>
-                <a:cs typeface="Times New Roman" panose="02020603050405020304" pitchFamily="18" charset="0"/>
-              </a:rPr>
-              <a:t>Select </a:t>
-            </a:r>
-            <a:r>
-              <a:rPr lang="fr-FR" b="1" dirty="0" err="1">
-                <a:latin typeface="Segoe UI" panose="020B0502040204020203" pitchFamily="34" charset="0"/>
-                <a:ea typeface="Calibri" panose="020F0502020204030204" pitchFamily="34" charset="0"/>
-                <a:cs typeface="Times New Roman" panose="02020603050405020304" pitchFamily="18" charset="0"/>
-              </a:rPr>
-              <a:t>existing</a:t>
-            </a:r>
-            <a:r>
-              <a:rPr lang="fr-FR" b="1" dirty="0">
-                <a:latin typeface="Segoe UI" panose="020B0502040204020203" pitchFamily="34" charset="0"/>
-                <a:ea typeface="Calibri" panose="020F0502020204030204" pitchFamily="34" charset="0"/>
-                <a:cs typeface="Times New Roman" panose="02020603050405020304" pitchFamily="18" charset="0"/>
-              </a:rPr>
-              <a:t> drop-down </a:t>
-            </a:r>
-            <a:r>
-              <a:rPr lang="fr-FR" b="1" dirty="0" err="1">
-                <a:latin typeface="Segoe UI" panose="020B0502040204020203" pitchFamily="34" charset="0"/>
-                <a:ea typeface="Calibri" panose="020F0502020204030204" pitchFamily="34" charset="0"/>
-                <a:cs typeface="Times New Roman" panose="02020603050405020304" pitchFamily="18" charset="0"/>
-              </a:rPr>
-              <a:t>list</a:t>
-            </a:r>
-            <a:r>
-              <a:rPr lang="fr-FR" b="1" dirty="0">
-                <a:latin typeface="Segoe UI" panose="020B0502040204020203" pitchFamily="34" charset="0"/>
-                <a:ea typeface="Calibri" panose="020F0502020204030204" pitchFamily="34" charset="0"/>
-                <a:cs typeface="Times New Roman" panose="02020603050405020304" pitchFamily="18" charset="0"/>
-              </a:rPr>
-              <a:t> </a:t>
-            </a:r>
-            <a:r>
-              <a:rPr lang="fr-FR" b="1" dirty="0" err="1">
-                <a:latin typeface="Segoe UI" panose="020B0502040204020203" pitchFamily="34" charset="0"/>
-                <a:ea typeface="Calibri" panose="020F0502020204030204" pitchFamily="34" charset="0"/>
-                <a:cs typeface="Times New Roman" panose="02020603050405020304" pitchFamily="18" charset="0"/>
-              </a:rPr>
-              <a:t>dashboard</a:t>
-            </a:r>
-            <a:endParaRPr lang="en-US" dirty="0">
-              <a:latin typeface="Calibri" panose="020F0502020204030204" pitchFamily="34" charset="0"/>
-              <a:ea typeface="Calibri" panose="020F0502020204030204" pitchFamily="34" charset="0"/>
-              <a:cs typeface="Times New Roman" panose="02020603050405020304" pitchFamily="18" charset="0"/>
-            </a:endParaRPr>
-          </a:p>
-        </p:txBody>
-      </p:sp>
-      <p:pic>
-        <p:nvPicPr>
-          <p:cNvPr id="9" name="Picture 8"/>
-          <p:cNvPicPr>
-            <a:picLocks noChangeAspect="1"/>
-          </p:cNvPicPr>
-          <p:nvPr/>
-        </p:nvPicPr>
-        <p:blipFill>
-          <a:blip r:embed="rId3"/>
-          <a:stretch>
-            <a:fillRect/>
-          </a:stretch>
-        </p:blipFill>
-        <p:spPr>
-          <a:xfrm>
-            <a:off x="481792" y="1212685"/>
-            <a:ext cx="2516985" cy="2411072"/>
-          </a:xfrm>
-          <a:prstGeom prst="rect">
-            <a:avLst/>
-          </a:prstGeom>
-          <a:ln>
-            <a:noFill/>
-          </a:ln>
-          <a:effectLst>
-            <a:outerShdw blurRad="292100" dist="139700" dir="2700000" algn="tl" rotWithShape="0">
-              <a:srgbClr val="333333">
-                <a:alpha val="65000"/>
-              </a:srgbClr>
-            </a:outerShdw>
-          </a:effectLst>
-        </p:spPr>
-      </p:pic>
-      <p:pic>
-        <p:nvPicPr>
-          <p:cNvPr id="12" name="Picture 11"/>
-          <p:cNvPicPr>
-            <a:picLocks noChangeAspect="1"/>
-          </p:cNvPicPr>
-          <p:nvPr/>
-        </p:nvPicPr>
-        <p:blipFill rotWithShape="1">
-          <a:blip r:embed="rId3"/>
-          <a:srcRect l="45995" t="605" r="29112" b="86519"/>
-          <a:stretch/>
-        </p:blipFill>
-        <p:spPr>
-          <a:xfrm>
-            <a:off x="3117310" y="1296673"/>
-            <a:ext cx="1412547" cy="699911"/>
-          </a:xfrm>
-          <a:prstGeom prst="rect">
-            <a:avLst/>
-          </a:prstGeom>
-          <a:ln>
-            <a:noFill/>
-          </a:ln>
-          <a:effectLst>
-            <a:outerShdw blurRad="292100" dist="139700" dir="2700000" algn="tl" rotWithShape="0">
-              <a:srgbClr val="333333">
-                <a:alpha val="65000"/>
-              </a:srgbClr>
-            </a:outerShdw>
-          </a:effectLst>
-        </p:spPr>
-      </p:pic>
-      <p:pic>
-        <p:nvPicPr>
-          <p:cNvPr id="13" name="Picture 12"/>
-          <p:cNvPicPr>
-            <a:picLocks noChangeAspect="1"/>
-          </p:cNvPicPr>
-          <p:nvPr/>
-        </p:nvPicPr>
-        <p:blipFill>
-          <a:blip r:embed="rId4"/>
-          <a:stretch>
-            <a:fillRect/>
-          </a:stretch>
-        </p:blipFill>
-        <p:spPr>
-          <a:xfrm>
-            <a:off x="6435612" y="865244"/>
-            <a:ext cx="171474" cy="200053"/>
-          </a:xfrm>
-          <a:prstGeom prst="rect">
-            <a:avLst/>
-          </a:prstGeom>
-        </p:spPr>
-      </p:pic>
-      <p:pic>
-        <p:nvPicPr>
-          <p:cNvPr id="14" name="Picture 13"/>
-          <p:cNvPicPr>
-            <a:picLocks noChangeAspect="1"/>
-          </p:cNvPicPr>
-          <p:nvPr/>
-        </p:nvPicPr>
-        <p:blipFill>
-          <a:blip r:embed="rId5"/>
-          <a:stretch>
-            <a:fillRect/>
-          </a:stretch>
-        </p:blipFill>
-        <p:spPr>
-          <a:xfrm>
-            <a:off x="453750" y="4495868"/>
-            <a:ext cx="3845194" cy="2257834"/>
-          </a:xfrm>
-          <a:prstGeom prst="rect">
-            <a:avLst/>
-          </a:prstGeom>
-          <a:ln>
-            <a:noFill/>
-          </a:ln>
-          <a:effectLst>
-            <a:outerShdw blurRad="292100" dist="139700" dir="2700000" algn="tl" rotWithShape="0">
-              <a:srgbClr val="333333">
-                <a:alpha val="65000"/>
-              </a:srgbClr>
-            </a:outerShdw>
-          </a:effectLst>
-        </p:spPr>
-      </p:pic>
-    </p:spTree>
-    <p:extLst>
-      <p:ext uri="{BB962C8B-B14F-4D97-AF65-F5344CB8AC3E}">
-        <p14:creationId xmlns:p14="http://schemas.microsoft.com/office/powerpoint/2010/main" val="730458685"/>
-      </p:ext>
-    </p:extLst>
-  </p:cSld>
-  <p:clrMapOvr>
-    <a:masterClrMapping/>
-  </p:clrMapOvr>
-</p:sld>
-</file>
-
-<file path=ppt/slides/slide9.xml><?xml version="1.0" encoding="utf-8"?>
-<p:sld xmlns:a="http://schemas.openxmlformats.org/drawingml/2006/main" xmlns:r="http://schemas.openxmlformats.org/officeDocument/2006/relationships" xmlns:p="http://schemas.openxmlformats.org/presentationml/2006/main">
-  <p:cSld>
-    <p:spTree>
-      <p:nvGrpSpPr>
-        <p:cNvPr id="1" name=""/>
-        <p:cNvGrpSpPr/>
-        <p:nvPr/>
-      </p:nvGrpSpPr>
-      <p:grpSpPr>
-        <a:xfrm>
-          <a:off x="0" y="0"/>
-          <a:ext cx="0" cy="0"/>
-          <a:chOff x="0" y="0"/>
-          <a:chExt cx="0" cy="0"/>
-        </a:xfrm>
-      </p:grpSpPr>
-      <p:sp>
-        <p:nvSpPr>
-          <p:cNvPr id="2" name="TextBox 1"/>
-          <p:cNvSpPr txBox="1"/>
-          <p:nvPr/>
-        </p:nvSpPr>
-        <p:spPr>
-          <a:xfrm>
-            <a:off x="295632" y="275007"/>
-            <a:ext cx="3024289" cy="461665"/>
-          </a:xfrm>
-          <a:prstGeom prst="rect">
-            <a:avLst/>
-          </a:prstGeom>
-          <a:noFill/>
-        </p:spPr>
-        <p:txBody>
-          <a:bodyPr wrap="none" rtlCol="0">
-            <a:spAutoFit/>
-          </a:bodyPr>
-          <a:lstStyle/>
-          <a:p>
-            <a:r>
-              <a:rPr lang="fr-FR" sz="2400" dirty="0" err="1" smtClean="0">
-                <a:latin typeface="Segoe UI" panose="020B0502040204020203" pitchFamily="34" charset="0"/>
-                <a:cs typeface="Segoe UI" panose="020B0502040204020203" pitchFamily="34" charset="0"/>
-              </a:rPr>
-              <a:t>Creating</a:t>
-            </a:r>
-            <a:r>
-              <a:rPr lang="fr-FR" sz="2400" dirty="0" smtClean="0">
-                <a:latin typeface="Segoe UI" panose="020B0502040204020203" pitchFamily="34" charset="0"/>
-                <a:cs typeface="Segoe UI" panose="020B0502040204020203" pitchFamily="34" charset="0"/>
-              </a:rPr>
-              <a:t> </a:t>
-            </a:r>
-            <a:r>
-              <a:rPr lang="fr-FR" sz="2400" dirty="0" err="1" smtClean="0">
-                <a:latin typeface="Segoe UI" panose="020B0502040204020203" pitchFamily="34" charset="0"/>
-                <a:cs typeface="Segoe UI" panose="020B0502040204020203" pitchFamily="34" charset="0"/>
-              </a:rPr>
-              <a:t>Dashboards</a:t>
-            </a:r>
-            <a:endParaRPr lang="en-US" sz="2400" dirty="0">
-              <a:latin typeface="Segoe UI" panose="020B0502040204020203" pitchFamily="34" charset="0"/>
-              <a:cs typeface="Segoe UI" panose="020B0502040204020203" pitchFamily="34" charset="0"/>
-            </a:endParaRPr>
-          </a:p>
-        </p:txBody>
-      </p:sp>
-      <p:sp>
-        <p:nvSpPr>
-          <p:cNvPr id="5" name="Rectangle 3"/>
-          <p:cNvSpPr>
-            <a:spLocks noChangeArrowheads="1"/>
-          </p:cNvSpPr>
-          <p:nvPr/>
-        </p:nvSpPr>
-        <p:spPr bwMode="auto">
-          <a:xfrm>
-            <a:off x="869245" y="1296673"/>
-            <a:ext cx="309700" cy="276999"/>
-          </a:xfrm>
-          <a:prstGeom prst="rect">
-            <a:avLst/>
-          </a:prstGeom>
-          <a:noFill/>
-          <a:ln>
-            <a:noFill/>
-          </a:ln>
-          <a:effectLst/>
-          <a:extLst>
-            <a:ext uri="{909E8E84-426E-40DD-AFC4-6F175D3DCCD1}">
-              <a14:hiddenFill xmlns:a14="http://schemas.microsoft.com/office/drawing/2010/main">
-                <a:solidFill>
-                  <a:schemeClr val="accent1"/>
-                </a:solidFill>
-              </a14:hiddenFill>
-            </a:ext>
-            <a:ext uri="{91240B29-F687-4F45-9708-019B960494DF}">
-              <a14:hiddenLine xmlns:a14="http://schemas.microsoft.com/office/drawing/2010/main" w="9525">
-                <a:solidFill>
-                  <a:schemeClr val="tx1"/>
-                </a:solidFill>
-                <a:miter lim="800000"/>
-                <a:headEnd/>
-                <a:tailEnd/>
-              </a14:hiddenLine>
-            </a:ext>
-            <a:ext uri="{AF507438-7753-43E0-B8FC-AC1667EBCBE1}">
-              <a14:hiddenEffects xmlns:a14="http://schemas.microsoft.com/office/drawing/2010/main">
-                <a:effectLst>
-                  <a:outerShdw dist="35921" dir="2700000" algn="ctr" rotWithShape="0">
-                    <a:schemeClr val="bg2"/>
-                  </a:outerShdw>
-                </a:effectLst>
-              </a14:hiddenEffects>
-            </a:ext>
-          </a:extLst>
-        </p:spPr>
-        <p:txBody>
-          <a:bodyPr vert="horz" wrap="none" lIns="91440" tIns="45720" rIns="91440" bIns="45720" numCol="1" anchor="ctr" anchorCtr="0" compatLnSpc="1">
-            <a:prstTxWarp prst="textNoShape">
-              <a:avLst/>
-            </a:prstTxWarp>
-            <a:spAutoFit/>
-          </a:bodyPr>
-          <a:lstStyle/>
-          <a:p>
-            <a:pPr marL="0" marR="0" lvl="0" indent="0" algn="l" defTabSz="914400" rtl="0" eaLnBrk="0" fontAlgn="base" latinLnBrk="0" hangingPunct="0">
-              <a:lnSpc>
-                <a:spcPct val="100000"/>
-              </a:lnSpc>
-              <a:spcBef>
-                <a:spcPct val="0"/>
-              </a:spcBef>
-              <a:spcAft>
-                <a:spcPct val="0"/>
-              </a:spcAft>
-              <a:buClrTx/>
-              <a:buSzTx/>
-              <a:buFontTx/>
-              <a:buNone/>
-              <a:tabLst/>
-            </a:pPr>
-            <a:r>
-              <a:rPr kumimoji="0" lang="fr-FR" altLang="en-US" sz="1200" b="0" i="0" u="none" strike="noStrike" cap="none" normalizeH="0" baseline="0" smtClean="0">
-                <a:ln>
-                  <a:noFill/>
-                </a:ln>
-                <a:solidFill>
-                  <a:schemeClr val="tx1"/>
-                </a:solidFill>
-                <a:effectLst/>
-                <a:latin typeface="Segoe UI" panose="020B0502040204020203" pitchFamily="34" charset="0"/>
-                <a:ea typeface="Calibri" panose="020F0502020204030204" pitchFamily="34" charset="0"/>
-                <a:cs typeface="Segoe UI" panose="020B0502040204020203" pitchFamily="34" charset="0"/>
-              </a:rPr>
-              <a:t>   </a:t>
-            </a:r>
-            <a:endParaRPr kumimoji="0" lang="fr-FR" altLang="en-US" sz="1200" b="0" i="0" u="none" strike="noStrike" cap="none" normalizeH="0" baseline="0" smtClean="0">
-              <a:ln>
-                <a:noFill/>
-              </a:ln>
-              <a:solidFill>
-                <a:schemeClr val="tx1"/>
-              </a:solidFill>
-              <a:effectLst/>
-              <a:latin typeface="Arial" panose="020B0604020202020204" pitchFamily="34" charset="0"/>
-            </a:endParaRPr>
-          </a:p>
-        </p:txBody>
-      </p:sp>
-      <p:sp>
-        <p:nvSpPr>
-          <p:cNvPr id="4" name="Rectangle 3"/>
-          <p:cNvSpPr/>
-          <p:nvPr/>
-        </p:nvSpPr>
-        <p:spPr>
-          <a:xfrm>
-            <a:off x="295632" y="781480"/>
-            <a:ext cx="5739520" cy="373692"/>
-          </a:xfrm>
-          <a:prstGeom prst="rect">
-            <a:avLst/>
-          </a:prstGeom>
-        </p:spPr>
-        <p:txBody>
-          <a:bodyPr wrap="none">
-            <a:spAutoFit/>
-          </a:bodyPr>
-          <a:lstStyle/>
-          <a:p>
-            <a:pPr lvl="0">
-              <a:lnSpc>
-                <a:spcPct val="107000"/>
-              </a:lnSpc>
-              <a:spcAft>
-                <a:spcPts val="800"/>
-              </a:spcAft>
-            </a:pPr>
-            <a:r>
-              <a:rPr lang="en-US" dirty="0" smtClean="0">
-                <a:latin typeface="Segoe UI" panose="020B0502040204020203" pitchFamily="34" charset="0"/>
-                <a:ea typeface="Calibri" panose="020F0502020204030204" pitchFamily="34" charset="0"/>
-                <a:cs typeface="Times New Roman" panose="02020603050405020304" pitchFamily="18" charset="0"/>
-              </a:rPr>
-              <a:t>Continue to add some visuals from many other reports</a:t>
-            </a:r>
-            <a:endParaRPr lang="en-US" dirty="0">
-              <a:latin typeface="Calibri" panose="020F0502020204030204" pitchFamily="34" charset="0"/>
-              <a:ea typeface="Calibri" panose="020F0502020204030204" pitchFamily="34" charset="0"/>
-              <a:cs typeface="Times New Roman" panose="02020603050405020304" pitchFamily="18" charset="0"/>
-            </a:endParaRPr>
-          </a:p>
-        </p:txBody>
-      </p:sp>
-      <p:sp>
-        <p:nvSpPr>
-          <p:cNvPr id="7" name="Rectangle 6"/>
-          <p:cNvSpPr/>
-          <p:nvPr/>
-        </p:nvSpPr>
-        <p:spPr>
-          <a:xfrm>
-            <a:off x="295632" y="1199980"/>
-            <a:ext cx="4052713" cy="373692"/>
-          </a:xfrm>
-          <a:prstGeom prst="rect">
-            <a:avLst/>
-          </a:prstGeom>
-        </p:spPr>
-        <p:txBody>
-          <a:bodyPr wrap="none">
-            <a:spAutoFit/>
-          </a:bodyPr>
-          <a:lstStyle/>
-          <a:p>
-            <a:pPr lvl="0">
-              <a:lnSpc>
-                <a:spcPct val="107000"/>
-              </a:lnSpc>
-              <a:spcAft>
-                <a:spcPts val="800"/>
-              </a:spcAft>
-            </a:pPr>
-            <a:r>
-              <a:rPr lang="fr-FR" dirty="0">
-                <a:latin typeface="Segoe UI" panose="020B0502040204020203" pitchFamily="34" charset="0"/>
-                <a:ea typeface="Calibri" panose="020F0502020204030204" pitchFamily="34" charset="0"/>
-                <a:cs typeface="Times New Roman" panose="02020603050405020304" pitchFamily="18" charset="0"/>
-              </a:rPr>
-              <a:t>Go </a:t>
-            </a:r>
-            <a:r>
-              <a:rPr lang="fr-FR" dirty="0" err="1">
-                <a:latin typeface="Segoe UI" panose="020B0502040204020203" pitchFamily="34" charset="0"/>
-                <a:ea typeface="Calibri" panose="020F0502020204030204" pitchFamily="34" charset="0"/>
-                <a:cs typeface="Times New Roman" panose="02020603050405020304" pitchFamily="18" charset="0"/>
-              </a:rPr>
-              <a:t>around</a:t>
-            </a:r>
-            <a:r>
-              <a:rPr lang="fr-FR" dirty="0">
-                <a:latin typeface="Segoe UI" panose="020B0502040204020203" pitchFamily="34" charset="0"/>
-                <a:ea typeface="Calibri" panose="020F0502020204030204" pitchFamily="34" charset="0"/>
-                <a:cs typeface="Times New Roman" panose="02020603050405020304" pitchFamily="18" charset="0"/>
-              </a:rPr>
-              <a:t> the menu visible at the top</a:t>
-            </a:r>
-            <a:endParaRPr lang="en-US" dirty="0">
-              <a:latin typeface="Calibri" panose="020F0502020204030204" pitchFamily="34" charset="0"/>
-              <a:ea typeface="Calibri" panose="020F0502020204030204" pitchFamily="34" charset="0"/>
-              <a:cs typeface="Times New Roman" panose="02020603050405020304" pitchFamily="18" charset="0"/>
             </a:endParaRPr>
           </a:p>
         </p:txBody>
@@ -6441,15 +5598,15 @@
           </a:bodyPr>
           <a:lstStyle/>
           <a:p>
-            <a:r>
-              <a:rPr lang="fr-FR" sz="1400" b="1" dirty="0" err="1" smtClean="0">
+            <a:r xmlns:a="http://schemas.openxmlformats.org/drawingml/2006/main">
+              <a:rPr lang="en" sz="1400" b="1" dirty="0" err="1" smtClean="0">
                 <a:latin typeface="Segoe UI" panose="020B0502040204020203" pitchFamily="34" charset="0"/>
                 <a:ea typeface="Calibri" panose="020F0502020204030204" pitchFamily="34" charset="0"/>
                 <a:cs typeface="Times New Roman" panose="02020603050405020304" pitchFamily="18" charset="0"/>
               </a:rPr>
               <a:t>Before</a:t>
             </a:r>
-            <a:endParaRPr lang="en-US" sz="1400" b="1" dirty="0"/>
+            <a:endParaRPr xmlns:a="http://schemas.openxmlformats.org/drawingml/2006/main" lang="en-US" sz="1400" b="1" dirty="0"/>
           </a:p>
         </p:txBody>
       </p:sp>
@@ -6474,15 +5631,73 @@
           </a:bodyPr>
           <a:lstStyle/>
           <a:p>
-            <a:r>
-              <a:rPr lang="fr-FR" sz="1400" b="1" dirty="0" err="1" smtClean="0">
+            <a:r xmlns:a="http://schemas.openxmlformats.org/drawingml/2006/main">
+              <a:rPr lang="en" sz="1400" b="1" dirty="0" err="1" smtClean="0">
                 <a:latin typeface="Segoe UI" panose="020B0502040204020203" pitchFamily="34" charset="0"/>
                 <a:ea typeface="Calibri" panose="020F0502020204030204" pitchFamily="34" charset="0"/>
                 <a:cs typeface="Times New Roman" panose="02020603050405020304" pitchFamily="18" charset="0"/>
               </a:rPr>
               <a:t>After</a:t>
             </a:r>
-            <a:endParaRPr lang="en-US" sz="1400" b="1" dirty="0"/>
+            <a:endParaRPr xmlns:a="http://schemas.openxmlformats.org/drawingml/2006/main" lang="en-US" sz="1400" b="1" dirty="0"/>
+          </a:p>
+        </p:txBody>
+      </p:sp>
+      <p:sp>
+        <p:nvSpPr>
+          <p:cNvPr id="3" name="Rectangle 2"/>
+          <p:cNvSpPr/>
+          <p:nvPr/>
+        </p:nvSpPr>
+        <p:spPr>
+          <a:xfrm>
+            <a:off x="295632" y="737493"/>
+            <a:ext cx="7738535" cy="400110"/>
+          </a:xfrm>
+          <a:prstGeom prst="rect">
+            <a:avLst/>
+          </a:prstGeom>
+        </p:spPr>
+        <p:txBody>
+          <a:bodyPr wrap="square">
+            <a:spAutoFit/>
+          </a:bodyPr>
+          <a:lstStyle/>
+          <a:p>
+            <a:r xmlns:a="http://schemas.openxmlformats.org/drawingml/2006/main">
+              <a:rPr lang="en" sz="2000" dirty="0"/>
+              <a:t>Continue adding visuals from several other reports.</a:t>
+            </a:r>
+            <a:endParaRPr xmlns:a="http://schemas.openxmlformats.org/drawingml/2006/main" lang="en-US" sz="2000" dirty="0"/>
+          </a:p>
+        </p:txBody>
+      </p:sp>
+      <p:sp>
+        <p:nvSpPr>
+          <p:cNvPr id="6" name="Rectangle 5"/>
+          <p:cNvSpPr/>
+          <p:nvPr/>
+        </p:nvSpPr>
+        <p:spPr>
+          <a:xfrm>
+            <a:off x="355586" y="1188403"/>
+            <a:ext cx="4816703" cy="400110"/>
+          </a:xfrm>
+          <a:prstGeom prst="rect">
+            <a:avLst/>
+          </a:prstGeom>
+        </p:spPr>
+        <p:txBody>
+          <a:bodyPr wrap="none">
+            <a:spAutoFit/>
+          </a:bodyPr>
+          <a:lstStyle/>
+          <a:p>
+            <a:r xmlns:a="http://schemas.openxmlformats.org/drawingml/2006/main">
+              <a:rPr lang="en" sz="2000" dirty="0"/>
+              <a:t>Navigate through the menu visible at the top of the screen.</a:t>
+            </a:r>
+            <a:endParaRPr xmlns:a="http://schemas.openxmlformats.org/drawingml/2006/main" lang="en-US" sz="2000" dirty="0"/>
           </a:p>
         </p:txBody>
       </p:sp>

--- a/English/7.Power BI Services/4.Creating Dashboards.pptx
+++ b/English/7.Power BI Services/4.Creating Dashboards.pptx
@@ -206,7 +206,7 @@
           <a:p>
             <a:fld id="{056BA3B8-9F76-4D81-B71D-76CB85363062}" type="datetimeFigureOut">
               <a:rPr lang="en-US" smtClean="0"/>
-              <a:t>2/27/2025</a:t>
+              <a:t>4/3/2025</a:t>
             </a:fld>
             <a:endParaRPr lang="en-US"/>
           </a:p>
@@ -605,7 +605,7 @@
           <a:p>
             <a:fld id="{6F01DA4D-20EA-48D2-973C-0311EC3005D6}" type="datetimeFigureOut">
               <a:rPr lang="en-US" smtClean="0"/>
-              <a:t>2/27/2025</a:t>
+              <a:t>4/3/2025</a:t>
             </a:fld>
             <a:endParaRPr lang="en-US"/>
           </a:p>
@@ -775,7 +775,7 @@
           <a:p>
             <a:fld id="{6F01DA4D-20EA-48D2-973C-0311EC3005D6}" type="datetimeFigureOut">
               <a:rPr lang="en-US" smtClean="0"/>
-              <a:t>2/27/2025</a:t>
+              <a:t>4/3/2025</a:t>
             </a:fld>
             <a:endParaRPr lang="en-US"/>
           </a:p>
@@ -955,7 +955,7 @@
           <a:p>
             <a:fld id="{6F01DA4D-20EA-48D2-973C-0311EC3005D6}" type="datetimeFigureOut">
               <a:rPr lang="en-US" smtClean="0"/>
-              <a:t>2/27/2025</a:t>
+              <a:t>4/3/2025</a:t>
             </a:fld>
             <a:endParaRPr lang="en-US"/>
           </a:p>
@@ -1125,7 +1125,7 @@
           <a:p>
             <a:fld id="{6F01DA4D-20EA-48D2-973C-0311EC3005D6}" type="datetimeFigureOut">
               <a:rPr lang="en-US" smtClean="0"/>
-              <a:t>2/27/2025</a:t>
+              <a:t>4/3/2025</a:t>
             </a:fld>
             <a:endParaRPr lang="en-US"/>
           </a:p>
@@ -1371,7 +1371,7 @@
           <a:p>
             <a:fld id="{6F01DA4D-20EA-48D2-973C-0311EC3005D6}" type="datetimeFigureOut">
               <a:rPr lang="en-US" smtClean="0"/>
-              <a:t>2/27/2025</a:t>
+              <a:t>4/3/2025</a:t>
             </a:fld>
             <a:endParaRPr lang="en-US"/>
           </a:p>
@@ -1603,7 +1603,7 @@
           <a:p>
             <a:fld id="{6F01DA4D-20EA-48D2-973C-0311EC3005D6}" type="datetimeFigureOut">
               <a:rPr lang="en-US" smtClean="0"/>
-              <a:t>2/27/2025</a:t>
+              <a:t>4/3/2025</a:t>
             </a:fld>
             <a:endParaRPr lang="en-US"/>
           </a:p>
@@ -1970,7 +1970,7 @@
           <a:p>
             <a:fld id="{6F01DA4D-20EA-48D2-973C-0311EC3005D6}" type="datetimeFigureOut">
               <a:rPr lang="en-US" smtClean="0"/>
-              <a:t>2/27/2025</a:t>
+              <a:t>4/3/2025</a:t>
             </a:fld>
             <a:endParaRPr lang="en-US"/>
           </a:p>
@@ -2088,7 +2088,7 @@
           <a:p>
             <a:fld id="{6F01DA4D-20EA-48D2-973C-0311EC3005D6}" type="datetimeFigureOut">
               <a:rPr lang="en-US" smtClean="0"/>
-              <a:t>2/27/2025</a:t>
+              <a:t>4/3/2025</a:t>
             </a:fld>
             <a:endParaRPr lang="en-US"/>
           </a:p>
@@ -2183,7 +2183,7 @@
           <a:p>
             <a:fld id="{6F01DA4D-20EA-48D2-973C-0311EC3005D6}" type="datetimeFigureOut">
               <a:rPr lang="en-US" smtClean="0"/>
-              <a:t>2/27/2025</a:t>
+              <a:t>4/3/2025</a:t>
             </a:fld>
             <a:endParaRPr lang="en-US"/>
           </a:p>
@@ -2460,7 +2460,7 @@
           <a:p>
             <a:fld id="{6F01DA4D-20EA-48D2-973C-0311EC3005D6}" type="datetimeFigureOut">
               <a:rPr lang="en-US" smtClean="0"/>
-              <a:t>2/27/2025</a:t>
+              <a:t>4/3/2025</a:t>
             </a:fld>
             <a:endParaRPr lang="en-US"/>
           </a:p>
@@ -2713,7 +2713,7 @@
           <a:p>
             <a:fld id="{6F01DA4D-20EA-48D2-973C-0311EC3005D6}" type="datetimeFigureOut">
               <a:rPr lang="en-US" smtClean="0"/>
-              <a:t>2/27/2025</a:t>
+              <a:t>4/3/2025</a:t>
             </a:fld>
             <a:endParaRPr lang="en-US"/>
           </a:p>
@@ -2926,7 +2926,7 @@
           <a:p>
             <a:fld id="{6F01DA4D-20EA-48D2-973C-0311EC3005D6}" type="datetimeFigureOut">
               <a:rPr lang="en-US" smtClean="0"/>
-              <a:t>2/27/2025</a:t>
+              <a:t>4/3/2025</a:t>
             </a:fld>
             <a:endParaRPr lang="en-US"/>
           </a:p>
@@ -3361,8 +3361,8 @@
           </a:bodyPr>
           <a:lstStyle/>
           <a:p>
-            <a:pPr xmlns:a="http://schemas.openxmlformats.org/drawingml/2006/main" algn="ctr"/>
-            <a:r xmlns:a="http://schemas.openxmlformats.org/drawingml/2006/main">
+            <a:pPr algn="ctr"/>
+            <a:r>
               <a:rPr lang="en" sz="7200" b="1" dirty="0" smtClean="0">
                 <a:solidFill>
                   <a:srgbClr val="7030A0"/>
@@ -3373,7 +3373,7 @@
               </a:rPr>
               <a:t>Create</a:t>
             </a:r>
-            <a:endParaRPr xmlns:a="http://schemas.openxmlformats.org/drawingml/2006/main" lang="fr-FR" sz="7200" b="1" dirty="0" smtClean="0">
+            <a:endParaRPr lang="fr-FR" sz="7200" b="1" dirty="0" smtClean="0">
               <a:solidFill>
                 <a:srgbClr val="7030A0"/>
               </a:solidFill>
@@ -3383,8 +3383,8 @@
             </a:endParaRPr>
           </a:p>
           <a:p>
-            <a:pPr xmlns:a="http://schemas.openxmlformats.org/drawingml/2006/main" algn="ctr"/>
-            <a:r xmlns:a="http://schemas.openxmlformats.org/drawingml/2006/main">
+            <a:pPr algn="ctr"/>
+            <a:r>
               <a:rPr lang="en" sz="7200" b="1" dirty="0" err="1" smtClean="0">
                 <a:solidFill>
                   <a:srgbClr val="7030A0"/>
@@ -3395,7 +3395,7 @@
               </a:rPr>
               <a:t>Dashboards</a:t>
             </a:r>
-            <a:endParaRPr xmlns:a="http://schemas.openxmlformats.org/drawingml/2006/main" lang="en-US" sz="7200" b="1" dirty="0">
+            <a:endParaRPr lang="en-US" sz="7200" b="1" dirty="0">
               <a:solidFill>
                 <a:srgbClr val="7030A0"/>
               </a:solidFill>
@@ -3428,8 +3428,8 @@
           </a:bodyPr>
           <a:lstStyle/>
           <a:p>
-            <a:pPr xmlns:a="http://schemas.openxmlformats.org/drawingml/2006/main" algn="ctr"/>
-            <a:r xmlns:a="http://schemas.openxmlformats.org/drawingml/2006/main">
+            <a:pPr algn="ctr"/>
+            <a:r>
               <a:rPr lang="en" sz="7200" b="1" dirty="0" smtClean="0">
                 <a:solidFill>
                   <a:schemeClr val="bg1"/>
@@ -3440,7 +3440,7 @@
               </a:rPr>
               <a:t>Create</a:t>
             </a:r>
-            <a:endParaRPr xmlns:a="http://schemas.openxmlformats.org/drawingml/2006/main" lang="fr-FR" sz="7200" b="1" dirty="0" smtClean="0">
+            <a:endParaRPr lang="fr-FR" sz="7200" b="1" dirty="0" smtClean="0">
               <a:solidFill>
                 <a:schemeClr val="bg1"/>
               </a:solidFill>
@@ -3450,8 +3450,8 @@
             </a:endParaRPr>
           </a:p>
           <a:p>
-            <a:pPr xmlns:a="http://schemas.openxmlformats.org/drawingml/2006/main" algn="ctr"/>
-            <a:r xmlns:a="http://schemas.openxmlformats.org/drawingml/2006/main">
+            <a:pPr algn="ctr"/>
+            <a:r>
               <a:rPr lang="en" sz="7200" b="1" dirty="0" err="1" smtClean="0">
                 <a:solidFill>
                   <a:schemeClr val="bg1"/>
@@ -3462,7 +3462,7 @@
               </a:rPr>
               <a:t>Dashboards</a:t>
             </a:r>
-            <a:endParaRPr xmlns:a="http://schemas.openxmlformats.org/drawingml/2006/main" lang="en-US" sz="7200" b="1" dirty="0">
+            <a:endParaRPr lang="en-US" sz="7200" b="1" dirty="0">
               <a:solidFill>
                 <a:schemeClr val="bg1"/>
               </a:solidFill>
@@ -3558,8 +3558,8 @@
         </p:nvSpPr>
         <p:spPr>
           <a:xfrm>
-            <a:off x="3977355" y="2625277"/>
-            <a:ext cx="3456395" cy="1569660"/>
+            <a:off x="2628333" y="2416433"/>
+            <a:ext cx="6230360" cy="1569660"/>
           </a:xfrm>
           <a:prstGeom prst="rect">
             <a:avLst/>
@@ -3572,8 +3572,8 @@
           </a:bodyPr>
           <a:lstStyle/>
           <a:p>
-            <a:r xmlns:a="http://schemas.openxmlformats.org/drawingml/2006/main">
-              <a:rPr lang="en" sz="9600" b="1" dirty="0" smtClean="0">
+            <a:r>
+              <a:rPr lang="en-US" sz="9600" b="1" dirty="0" smtClean="0">
                 <a:solidFill>
                   <a:srgbClr val="7030A0"/>
                 </a:solidFill>
@@ -3581,9 +3581,9 @@
                 <a:ea typeface="Verdana" panose="020B0604030504040204" pitchFamily="34" charset="0"/>
                 <a:cs typeface="Segoe UI" panose="020B0502040204020203" pitchFamily="34" charset="0"/>
               </a:rPr>
-              <a:t>THANKS</a:t>
-            </a:r>
-            <a:endParaRPr xmlns:a="http://schemas.openxmlformats.org/drawingml/2006/main" lang="en-US" sz="9600" b="1" dirty="0">
+              <a:t>Thank you</a:t>
+            </a:r>
+            <a:endParaRPr lang="en-US" sz="9600" b="1" dirty="0">
               <a:solidFill>
                 <a:srgbClr val="7030A0"/>
               </a:solidFill>
@@ -3602,8 +3602,8 @@
         </p:nvSpPr>
         <p:spPr>
           <a:xfrm>
-            <a:off x="3915266" y="2563188"/>
-            <a:ext cx="3456395" cy="1569660"/>
+            <a:off x="2566244" y="2354344"/>
+            <a:ext cx="6230360" cy="1569660"/>
           </a:xfrm>
           <a:prstGeom prst="rect">
             <a:avLst/>
@@ -3616,8 +3616,8 @@
           </a:bodyPr>
           <a:lstStyle/>
           <a:p>
-            <a:r xmlns:a="http://schemas.openxmlformats.org/drawingml/2006/main">
-              <a:rPr lang="en" sz="9600" b="1" dirty="0" smtClean="0">
+            <a:r>
+              <a:rPr lang="en-US" sz="9600" b="1" dirty="0" smtClean="0">
                 <a:solidFill>
                   <a:schemeClr val="bg1"/>
                 </a:solidFill>
@@ -3625,9 +3625,9 @@
                 <a:ea typeface="Verdana" panose="020B0604030504040204" pitchFamily="34" charset="0"/>
                 <a:cs typeface="Segoe UI" panose="020B0502040204020203" pitchFamily="34" charset="0"/>
               </a:rPr>
-              <a:t>THANKS</a:t>
-            </a:r>
-            <a:endParaRPr xmlns:a="http://schemas.openxmlformats.org/drawingml/2006/main" lang="en-US" sz="9600" b="1" dirty="0">
+              <a:t>Thank you</a:t>
+            </a:r>
+            <a:endParaRPr lang="en-US" sz="9600" b="1" dirty="0">
               <a:solidFill>
                 <a:schemeClr val="bg1"/>
               </a:solidFill>
@@ -3690,28 +3690,28 @@
           </a:bodyPr>
           <a:lstStyle/>
           <a:p>
-            <a:r xmlns:a="http://schemas.openxmlformats.org/drawingml/2006/main">
+            <a:r>
               <a:rPr lang="en" sz="2000" b="1" dirty="0" err="1" smtClean="0">
                 <a:latin typeface="Segoe UI" panose="020B0502040204020203" pitchFamily="34" charset="0"/>
                 <a:cs typeface="Segoe UI" panose="020B0502040204020203" pitchFamily="34" charset="0"/>
               </a:rPr>
               <a:t>Creating</a:t>
             </a:r>
-            <a:r xmlns:a="http://schemas.openxmlformats.org/drawingml/2006/main">
+            <a:r>
               <a:rPr lang="en" sz="2000" b="1" dirty="0" smtClean="0">
                 <a:latin typeface="Segoe UI" panose="020B0502040204020203" pitchFamily="34" charset="0"/>
                 <a:cs typeface="Segoe UI" panose="020B0502040204020203" pitchFamily="34" charset="0"/>
               </a:rPr>
               <a:t> </a:t>
             </a:r>
-            <a:r xmlns:a="http://schemas.openxmlformats.org/drawingml/2006/main">
+            <a:r>
               <a:rPr lang="en" sz="2000" b="1" dirty="0" err="1" smtClean="0">
                 <a:latin typeface="Segoe UI" panose="020B0502040204020203" pitchFamily="34" charset="0"/>
                 <a:cs typeface="Segoe UI" panose="020B0502040204020203" pitchFamily="34" charset="0"/>
               </a:rPr>
               <a:t>Dashboards</a:t>
             </a:r>
-            <a:endParaRPr xmlns:a="http://schemas.openxmlformats.org/drawingml/2006/main" lang="en-US" sz="2000" b="1" dirty="0">
+            <a:endParaRPr lang="en-US" sz="2000" b="1" dirty="0">
               <a:latin typeface="Segoe UI" panose="020B0502040204020203" pitchFamily="34" charset="0"/>
               <a:cs typeface="Segoe UI" panose="020B0502040204020203" pitchFamily="34" charset="0"/>
             </a:endParaRPr>
@@ -3817,11 +3817,11 @@
           </a:bodyPr>
           <a:lstStyle/>
           <a:p>
-            <a:r xmlns:a="http://schemas.openxmlformats.org/drawingml/2006/main">
+            <a:r>
               <a:rPr lang="en" sz="2000" dirty="0"/>
               <a:t>Note: This lab requires a Power BI Services account with administrator privileges.</a:t>
             </a:r>
-            <a:endParaRPr xmlns:a="http://schemas.openxmlformats.org/drawingml/2006/main" lang="en-US" sz="2000" dirty="0"/>
+            <a:endParaRPr lang="en-US" sz="2000" dirty="0"/>
           </a:p>
         </p:txBody>
       </p:sp>
@@ -3846,67 +3846,67 @@
           </a:bodyPr>
           <a:lstStyle/>
           <a:p>
-            <a:r xmlns:a="http://schemas.openxmlformats.org/drawingml/2006/main">
+            <a:r>
               <a:rPr lang="en" sz="2000"/>
               <a:t>Start by uploading the </a:t>
             </a:r>
-            <a:r xmlns:a="http://schemas.openxmlformats.org/drawingml/2006/main">
+            <a:r>
               <a:rPr lang="en" sz="2000" b="1"/>
               <a:t>SalesExcel.xlsx file </a:t>
             </a:r>
-            <a:r xmlns:a="http://schemas.openxmlformats.org/drawingml/2006/main">
+            <a:r>
               <a:rPr lang="en" sz="2000"/>
               <a:t>as </a:t>
             </a:r>
-            <a:r xmlns:a="http://schemas.openxmlformats.org/drawingml/2006/main">
+            <a:r>
               <a:rPr lang="en" sz="2000" b="1" dirty="0" err="1"/>
               <a:t>a DataSet </a:t>
             </a:r>
-            <a:r xmlns:a="http://schemas.openxmlformats.org/drawingml/2006/main">
+            <a:r>
               <a:rPr lang="en" sz="2000" dirty="0"/>
               <a:t>to </a:t>
             </a:r>
-            <a:r xmlns:a="http://schemas.openxmlformats.org/drawingml/2006/main">
+            <a:r>
               <a:rPr lang="en" sz="2000" b="1" dirty="0"/>
               <a:t>Power BI Service </a:t>
             </a:r>
-            <a:r xmlns:a="http://schemas.openxmlformats.org/drawingml/2006/main">
+            <a:r>
               <a:rPr lang="en" sz="2000" dirty="0"/>
               <a:t>.</a:t>
             </a:r>
           </a:p>
           <a:p>
-            <a:r xmlns:a="http://schemas.openxmlformats.org/drawingml/2006/main">
+            <a:r>
               <a:rPr lang="en" sz="2000" dirty="0"/>
               <a:t>Load the </a:t>
             </a:r>
-            <a:r xmlns:a="http://schemas.openxmlformats.org/drawingml/2006/main">
+            <a:r>
               <a:rPr lang="en" sz="2000" b="1" dirty="0" err="1"/>
               <a:t>DataSet </a:t>
             </a:r>
-            <a:r xmlns:a="http://schemas.openxmlformats.org/drawingml/2006/main">
+            <a:r>
               <a:rPr lang="en" sz="2000" dirty="0"/>
               <a:t>into the report editor at the </a:t>
             </a:r>
-            <a:r xmlns:a="http://schemas.openxmlformats.org/drawingml/2006/main">
+            <a:r>
               <a:rPr lang="en" sz="2000" b="1" dirty="0"/>
               <a:t>Power BI Services level </a:t>
             </a:r>
-            <a:r xmlns:a="http://schemas.openxmlformats.org/drawingml/2006/main">
+            <a:r>
               <a:rPr lang="en" sz="2000" dirty="0"/>
               <a:t>.</a:t>
             </a:r>
           </a:p>
           <a:p>
-            <a:r xmlns:a="http://schemas.openxmlformats.org/drawingml/2006/main">
+            <a:r>
               <a:rPr lang="en" sz="2000" dirty="0"/>
               <a:t>Add visuals to create two test reports from this </a:t>
             </a:r>
-            <a:r xmlns:a="http://schemas.openxmlformats.org/drawingml/2006/main">
+            <a:r>
               <a:rPr lang="en" sz="2000" b="1" dirty="0" err="1"/>
               <a:t>DataSet </a:t>
             </a:r>
-            <a:r xmlns:a="http://schemas.openxmlformats.org/drawingml/2006/main">
+            <a:r>
               <a:rPr lang="en" sz="2000" dirty="0"/>
               <a:t>.</a:t>
             </a:r>
@@ -3964,35 +3964,35 @@
           </a:bodyPr>
           <a:lstStyle/>
           <a:p>
-            <a:r xmlns:a="http://schemas.openxmlformats.org/drawingml/2006/main">
+            <a:r>
               <a:rPr lang="en" dirty="0"/>
               <a:t>Click the button</a:t>
             </a:r>
-            <a:r xmlns:a="http://schemas.openxmlformats.org/drawingml/2006/main">
+            <a:r>
               <a:rPr lang="en" b="1" dirty="0"/>
               <a:t> </a:t>
             </a:r>
-            <a:r xmlns:a="http://schemas.openxmlformats.org/drawingml/2006/main">
+            <a:r>
               <a:rPr lang="en" b="1" dirty="0" smtClean="0"/>
               <a:t>                          </a:t>
             </a:r>
-            <a:r xmlns:a="http://schemas.openxmlformats.org/drawingml/2006/main">
+            <a:r>
               <a:rPr lang="en" dirty="0" smtClean="0"/>
               <a:t>at the </a:t>
             </a:r>
-            <a:r xmlns:a="http://schemas.openxmlformats.org/drawingml/2006/main">
+            <a:r>
               <a:rPr lang="en" dirty="0"/>
               <a:t>workspace level, then select </a:t>
             </a:r>
-            <a:r xmlns:a="http://schemas.openxmlformats.org/drawingml/2006/main">
+            <a:r>
               <a:rPr lang="en" b="1" dirty="0"/>
               <a:t>Dashboard </a:t>
             </a:r>
-            <a:r xmlns:a="http://schemas.openxmlformats.org/drawingml/2006/main">
+            <a:r>
               <a:rPr lang="en" dirty="0"/>
               <a:t>.</a:t>
             </a:r>
-            <a:endParaRPr xmlns:a="http://schemas.openxmlformats.org/drawingml/2006/main" lang="en-US" dirty="0"/>
+            <a:endParaRPr lang="en-US" dirty="0"/>
           </a:p>
         </p:txBody>
       </p:sp>
@@ -4018,28 +4018,28 @@
           </a:bodyPr>
           <a:lstStyle/>
           <a:p>
-            <a:r xmlns:a="http://schemas.openxmlformats.org/drawingml/2006/main">
+            <a:r>
               <a:rPr lang="en" sz="2000" b="1" dirty="0" err="1" smtClean="0">
                 <a:latin typeface="Segoe UI" panose="020B0502040204020203" pitchFamily="34" charset="0"/>
                 <a:cs typeface="Segoe UI" panose="020B0502040204020203" pitchFamily="34" charset="0"/>
               </a:rPr>
               <a:t>Creating</a:t>
             </a:r>
-            <a:r xmlns:a="http://schemas.openxmlformats.org/drawingml/2006/main">
+            <a:r>
               <a:rPr lang="en" sz="2000" b="1" dirty="0" smtClean="0">
                 <a:latin typeface="Segoe UI" panose="020B0502040204020203" pitchFamily="34" charset="0"/>
                 <a:cs typeface="Segoe UI" panose="020B0502040204020203" pitchFamily="34" charset="0"/>
               </a:rPr>
               <a:t> </a:t>
             </a:r>
-            <a:r xmlns:a="http://schemas.openxmlformats.org/drawingml/2006/main">
+            <a:r>
               <a:rPr lang="en" sz="2000" b="1" dirty="0" err="1" smtClean="0">
                 <a:latin typeface="Segoe UI" panose="020B0502040204020203" pitchFamily="34" charset="0"/>
                 <a:cs typeface="Segoe UI" panose="020B0502040204020203" pitchFamily="34" charset="0"/>
               </a:rPr>
               <a:t>Dashboards</a:t>
             </a:r>
-            <a:endParaRPr xmlns:a="http://schemas.openxmlformats.org/drawingml/2006/main" lang="en-US" sz="2000" b="1" dirty="0">
+            <a:endParaRPr lang="en-US" sz="2000" b="1" dirty="0">
               <a:latin typeface="Segoe UI" panose="020B0502040204020203" pitchFamily="34" charset="0"/>
               <a:cs typeface="Segoe UI" panose="020B0502040204020203" pitchFamily="34" charset="0"/>
             </a:endParaRPr>
@@ -4115,11 +4115,11 @@
           </a:bodyPr>
           <a:lstStyle/>
           <a:p>
-            <a:r xmlns:a="http://schemas.openxmlformats.org/drawingml/2006/main">
+            <a:r>
               <a:rPr lang="en" sz="2000" dirty="0"/>
               <a:t>Save both reports to the workspace.</a:t>
             </a:r>
-            <a:endParaRPr xmlns:a="http://schemas.openxmlformats.org/drawingml/2006/main" lang="en-US" sz="2000" dirty="0"/>
+            <a:endParaRPr lang="en-US" sz="2000" dirty="0"/>
           </a:p>
         </p:txBody>
       </p:sp>
@@ -4175,28 +4175,28 @@
           </a:bodyPr>
           <a:lstStyle/>
           <a:p>
-            <a:r xmlns:a="http://schemas.openxmlformats.org/drawingml/2006/main">
+            <a:r>
               <a:rPr lang="en" sz="2000" b="1" dirty="0" err="1" smtClean="0">
                 <a:latin typeface="Segoe UI" panose="020B0502040204020203" pitchFamily="34" charset="0"/>
                 <a:cs typeface="Segoe UI" panose="020B0502040204020203" pitchFamily="34" charset="0"/>
               </a:rPr>
               <a:t>Creating</a:t>
             </a:r>
-            <a:r xmlns:a="http://schemas.openxmlformats.org/drawingml/2006/main">
+            <a:r>
               <a:rPr lang="en" sz="2000" b="1" dirty="0" smtClean="0">
                 <a:latin typeface="Segoe UI" panose="020B0502040204020203" pitchFamily="34" charset="0"/>
                 <a:cs typeface="Segoe UI" panose="020B0502040204020203" pitchFamily="34" charset="0"/>
               </a:rPr>
               <a:t> </a:t>
             </a:r>
-            <a:r xmlns:a="http://schemas.openxmlformats.org/drawingml/2006/main">
+            <a:r>
               <a:rPr lang="en" sz="2000" b="1" dirty="0" err="1" smtClean="0">
                 <a:latin typeface="Segoe UI" panose="020B0502040204020203" pitchFamily="34" charset="0"/>
                 <a:cs typeface="Segoe UI" panose="020B0502040204020203" pitchFamily="34" charset="0"/>
               </a:rPr>
               <a:t>Dashboards</a:t>
             </a:r>
-            <a:endParaRPr xmlns:a="http://schemas.openxmlformats.org/drawingml/2006/main" lang="en-US" sz="2000" b="1" dirty="0">
+            <a:endParaRPr lang="en-US" sz="2000" b="1" dirty="0">
               <a:latin typeface="Segoe UI" panose="020B0502040204020203" pitchFamily="34" charset="0"/>
               <a:cs typeface="Segoe UI" panose="020B0502040204020203" pitchFamily="34" charset="0"/>
             </a:endParaRPr>
@@ -4258,19 +4258,19 @@
           </a:bodyPr>
           <a:lstStyle/>
           <a:p>
-            <a:r xmlns:a="http://schemas.openxmlformats.org/drawingml/2006/main">
+            <a:r>
               <a:rPr lang="en" dirty="0" err="1"/>
               <a:t>Name </a:t>
             </a:r>
-            <a:r xmlns:a="http://schemas.openxmlformats.org/drawingml/2006/main">
+            <a:r>
               <a:rPr lang="en" dirty="0"/>
               <a:t>the </a:t>
             </a:r>
-            <a:r xmlns:a="http://schemas.openxmlformats.org/drawingml/2006/main">
+            <a:r>
               <a:rPr lang="en" b="1" dirty="0"/>
               <a:t>Dashboard </a:t>
             </a:r>
-            <a:r xmlns:a="http://schemas.openxmlformats.org/drawingml/2006/main">
+            <a:r>
               <a:rPr lang="en" dirty="0"/>
               <a:t>.</a:t>
             </a:r>
@@ -4329,28 +4329,28 @@
           </a:bodyPr>
           <a:lstStyle/>
           <a:p>
-            <a:r xmlns:a="http://schemas.openxmlformats.org/drawingml/2006/main">
+            <a:r>
               <a:rPr lang="en" sz="2000" b="1" dirty="0" err="1" smtClean="0">
                 <a:latin typeface="Segoe UI" panose="020B0502040204020203" pitchFamily="34" charset="0"/>
                 <a:cs typeface="Segoe UI" panose="020B0502040204020203" pitchFamily="34" charset="0"/>
               </a:rPr>
               <a:t>Creating</a:t>
             </a:r>
-            <a:r xmlns:a="http://schemas.openxmlformats.org/drawingml/2006/main">
+            <a:r>
               <a:rPr lang="en" sz="2000" b="1" dirty="0" smtClean="0">
                 <a:latin typeface="Segoe UI" panose="020B0502040204020203" pitchFamily="34" charset="0"/>
                 <a:cs typeface="Segoe UI" panose="020B0502040204020203" pitchFamily="34" charset="0"/>
               </a:rPr>
               <a:t> </a:t>
             </a:r>
-            <a:r xmlns:a="http://schemas.openxmlformats.org/drawingml/2006/main">
+            <a:r>
               <a:rPr lang="en" sz="2000" b="1" dirty="0" err="1" smtClean="0">
                 <a:latin typeface="Segoe UI" panose="020B0502040204020203" pitchFamily="34" charset="0"/>
                 <a:cs typeface="Segoe UI" panose="020B0502040204020203" pitchFamily="34" charset="0"/>
               </a:rPr>
               <a:t>Dashboards</a:t>
             </a:r>
-            <a:endParaRPr xmlns:a="http://schemas.openxmlformats.org/drawingml/2006/main" lang="en-US" sz="2000" b="1" dirty="0">
+            <a:endParaRPr lang="en-US" sz="2000" b="1" dirty="0">
               <a:latin typeface="Segoe UI" panose="020B0502040204020203" pitchFamily="34" charset="0"/>
               <a:cs typeface="Segoe UI" panose="020B0502040204020203" pitchFamily="34" charset="0"/>
             </a:endParaRPr>
@@ -4460,35 +4460,35 @@
           </a:bodyPr>
           <a:lstStyle/>
           <a:p>
-            <a:r xmlns:a="http://schemas.openxmlformats.org/drawingml/2006/main">
+            <a:r>
               <a:rPr lang="en" sz="2000" dirty="0"/>
               <a:t>Click </a:t>
             </a:r>
-            <a:r xmlns:a="http://schemas.openxmlformats.org/drawingml/2006/main">
+            <a:r>
               <a:rPr lang="en" sz="2000" b="1" dirty="0"/>
               <a:t>Edit </a:t>
             </a:r>
-            <a:r xmlns:a="http://schemas.openxmlformats.org/drawingml/2006/main">
+            <a:r>
               <a:rPr lang="en" sz="2000" dirty="0"/>
               <a:t>, then </a:t>
             </a:r>
-            <a:r xmlns:a="http://schemas.openxmlformats.org/drawingml/2006/main">
+            <a:r>
               <a:rPr lang="en" sz="2000" b="1" dirty="0" err="1"/>
               <a:t>Add </a:t>
             </a:r>
-            <a:r xmlns:a="http://schemas.openxmlformats.org/drawingml/2006/main">
+            <a:r>
               <a:rPr lang="en" sz="2000" b="1" dirty="0"/>
               <a:t>a </a:t>
             </a:r>
-            <a:r xmlns:a="http://schemas.openxmlformats.org/drawingml/2006/main">
+            <a:r>
               <a:rPr lang="en" sz="2000" b="1" dirty="0" err="1"/>
               <a:t>tile </a:t>
             </a:r>
-            <a:r xmlns:a="http://schemas.openxmlformats.org/drawingml/2006/main">
+            <a:r>
               <a:rPr lang="en" sz="2000" dirty="0"/>
               <a:t>.</a:t>
             </a:r>
-            <a:endParaRPr xmlns:a="http://schemas.openxmlformats.org/drawingml/2006/main" lang="en-US" sz="2000" dirty="0"/>
+            <a:endParaRPr lang="en-US" sz="2000" dirty="0"/>
           </a:p>
         </p:txBody>
       </p:sp>
@@ -4544,28 +4544,28 @@
           </a:bodyPr>
           <a:lstStyle/>
           <a:p>
-            <a:r xmlns:a="http://schemas.openxmlformats.org/drawingml/2006/main">
+            <a:r>
               <a:rPr lang="en" sz="2000" b="1" dirty="0" err="1" smtClean="0">
                 <a:latin typeface="Segoe UI" panose="020B0502040204020203" pitchFamily="34" charset="0"/>
                 <a:cs typeface="Segoe UI" panose="020B0502040204020203" pitchFamily="34" charset="0"/>
               </a:rPr>
               <a:t>Creating</a:t>
             </a:r>
-            <a:r xmlns:a="http://schemas.openxmlformats.org/drawingml/2006/main">
+            <a:r>
               <a:rPr lang="en" sz="2000" b="1" dirty="0" smtClean="0">
                 <a:latin typeface="Segoe UI" panose="020B0502040204020203" pitchFamily="34" charset="0"/>
                 <a:cs typeface="Segoe UI" panose="020B0502040204020203" pitchFamily="34" charset="0"/>
               </a:rPr>
               <a:t> </a:t>
             </a:r>
-            <a:r xmlns:a="http://schemas.openxmlformats.org/drawingml/2006/main">
+            <a:r>
               <a:rPr lang="en" sz="2000" b="1" dirty="0" err="1" smtClean="0">
                 <a:latin typeface="Segoe UI" panose="020B0502040204020203" pitchFamily="34" charset="0"/>
                 <a:cs typeface="Segoe UI" panose="020B0502040204020203" pitchFamily="34" charset="0"/>
               </a:rPr>
               <a:t>Dashboards</a:t>
             </a:r>
-            <a:endParaRPr xmlns:a="http://schemas.openxmlformats.org/drawingml/2006/main" lang="en-US" sz="2000" b="1" dirty="0">
+            <a:endParaRPr lang="en-US" sz="2000" b="1" dirty="0">
               <a:latin typeface="Segoe UI" panose="020B0502040204020203" pitchFamily="34" charset="0"/>
               <a:cs typeface="Segoe UI" panose="020B0502040204020203" pitchFamily="34" charset="0"/>
             </a:endParaRPr>
@@ -4627,19 +4627,19 @@
           </a:bodyPr>
           <a:lstStyle/>
           <a:p>
-            <a:r xmlns:a="http://schemas.openxmlformats.org/drawingml/2006/main">
+            <a:r>
               <a:rPr lang="en" sz="2000" dirty="0"/>
               <a:t>Explore the items that can be added to the </a:t>
             </a:r>
-            <a:r xmlns:a="http://schemas.openxmlformats.org/drawingml/2006/main">
+            <a:r>
               <a:rPr lang="en" sz="2000" b="1" dirty="0"/>
               <a:t>Dashboard </a:t>
             </a:r>
-            <a:r xmlns:a="http://schemas.openxmlformats.org/drawingml/2006/main">
+            <a:r>
               <a:rPr lang="en" sz="2000" dirty="0"/>
               <a:t>.</a:t>
             </a:r>
-            <a:endParaRPr xmlns:a="http://schemas.openxmlformats.org/drawingml/2006/main" lang="en-US" sz="2000" dirty="0"/>
+            <a:endParaRPr lang="en-US" sz="2000" dirty="0"/>
           </a:p>
         </p:txBody>
       </p:sp>
@@ -4695,28 +4695,28 @@
           </a:bodyPr>
           <a:lstStyle/>
           <a:p>
-            <a:r xmlns:a="http://schemas.openxmlformats.org/drawingml/2006/main">
+            <a:r>
               <a:rPr lang="en" sz="2000" b="1" dirty="0" err="1" smtClean="0">
                 <a:latin typeface="Segoe UI" panose="020B0502040204020203" pitchFamily="34" charset="0"/>
                 <a:cs typeface="Segoe UI" panose="020B0502040204020203" pitchFamily="34" charset="0"/>
               </a:rPr>
               <a:t>Creating</a:t>
             </a:r>
-            <a:r xmlns:a="http://schemas.openxmlformats.org/drawingml/2006/main">
+            <a:r>
               <a:rPr lang="en" sz="2000" b="1" dirty="0" smtClean="0">
                 <a:latin typeface="Segoe UI" panose="020B0502040204020203" pitchFamily="34" charset="0"/>
                 <a:cs typeface="Segoe UI" panose="020B0502040204020203" pitchFamily="34" charset="0"/>
               </a:rPr>
               <a:t> </a:t>
             </a:r>
-            <a:r xmlns:a="http://schemas.openxmlformats.org/drawingml/2006/main">
+            <a:r>
               <a:rPr lang="en" sz="2000" b="1" dirty="0" err="1" smtClean="0">
                 <a:latin typeface="Segoe UI" panose="020B0502040204020203" pitchFamily="34" charset="0"/>
                 <a:cs typeface="Segoe UI" panose="020B0502040204020203" pitchFamily="34" charset="0"/>
               </a:rPr>
               <a:t>Dashboards</a:t>
             </a:r>
-            <a:endParaRPr xmlns:a="http://schemas.openxmlformats.org/drawingml/2006/main" lang="en-US" sz="2000" b="1" dirty="0">
+            <a:endParaRPr lang="en-US" sz="2000" b="1" dirty="0">
               <a:latin typeface="Segoe UI" panose="020B0502040204020203" pitchFamily="34" charset="0"/>
               <a:cs typeface="Segoe UI" panose="020B0502040204020203" pitchFamily="34" charset="0"/>
             </a:endParaRPr>
@@ -4783,23 +4783,23 @@
           </a:bodyPr>
           <a:lstStyle/>
           <a:p>
-            <a:r xmlns:a="http://schemas.openxmlformats.org/drawingml/2006/main">
+            <a:r>
               <a:rPr lang="en" sz="2000" dirty="0"/>
               <a:t>Add a </a:t>
             </a:r>
-            <a:r xmlns:a="http://schemas.openxmlformats.org/drawingml/2006/main">
+            <a:r>
               <a:rPr lang="en" sz="2000" b="1" dirty="0" err="1"/>
               <a:t>Text </a:t>
             </a:r>
-            <a:r xmlns:a="http://schemas.openxmlformats.org/drawingml/2006/main">
+            <a:r>
               <a:rPr lang="en" sz="2000" b="1" dirty="0"/>
               <a:t>box element </a:t>
             </a:r>
-            <a:r xmlns:a="http://schemas.openxmlformats.org/drawingml/2006/main">
+            <a:r>
               <a:rPr lang="en" sz="2000" dirty="0"/>
               <a:t>to insert a title.</a:t>
             </a:r>
-            <a:endParaRPr xmlns:a="http://schemas.openxmlformats.org/drawingml/2006/main" lang="en-US" sz="2000" dirty="0"/>
+            <a:endParaRPr lang="en-US" sz="2000" dirty="0"/>
           </a:p>
         </p:txBody>
       </p:sp>
@@ -4854,23 +4854,23 @@
           </a:bodyPr>
           <a:lstStyle/>
           <a:p>
-            <a:r xmlns:a="http://schemas.openxmlformats.org/drawingml/2006/main">
+            <a:r>
               <a:rPr lang="en" dirty="0"/>
               <a:t>To return to one of the reports and select a visual, click the </a:t>
             </a:r>
-            <a:r xmlns:a="http://schemas.openxmlformats.org/drawingml/2006/main">
+            <a:r>
               <a:rPr lang="en" b="1" dirty="0"/>
               <a:t>Pin the </a:t>
             </a:r>
-            <a:r xmlns:a="http://schemas.openxmlformats.org/drawingml/2006/main">
+            <a:r>
               <a:rPr lang="en" b="1" dirty="0" err="1"/>
               <a:t>visual icon </a:t>
             </a:r>
-            <a:r xmlns:a="http://schemas.openxmlformats.org/drawingml/2006/main">
+            <a:r>
               <a:rPr lang="en" dirty="0"/>
               <a:t>.</a:t>
             </a:r>
-            <a:endParaRPr xmlns:a="http://schemas.openxmlformats.org/drawingml/2006/main" lang="en-US" dirty="0"/>
+            <a:endParaRPr lang="en-US" dirty="0"/>
           </a:p>
         </p:txBody>
       </p:sp>
@@ -4896,28 +4896,28 @@
           </a:bodyPr>
           <a:lstStyle/>
           <a:p>
-            <a:r xmlns:a="http://schemas.openxmlformats.org/drawingml/2006/main">
+            <a:r>
               <a:rPr lang="en" sz="2000" b="1" dirty="0" err="1" smtClean="0">
                 <a:latin typeface="Segoe UI" panose="020B0502040204020203" pitchFamily="34" charset="0"/>
                 <a:cs typeface="Segoe UI" panose="020B0502040204020203" pitchFamily="34" charset="0"/>
               </a:rPr>
               <a:t>Creating</a:t>
             </a:r>
-            <a:r xmlns:a="http://schemas.openxmlformats.org/drawingml/2006/main">
+            <a:r>
               <a:rPr lang="en" sz="2000" b="1" dirty="0" smtClean="0">
                 <a:latin typeface="Segoe UI" panose="020B0502040204020203" pitchFamily="34" charset="0"/>
                 <a:cs typeface="Segoe UI" panose="020B0502040204020203" pitchFamily="34" charset="0"/>
               </a:rPr>
               <a:t> </a:t>
             </a:r>
-            <a:r xmlns:a="http://schemas.openxmlformats.org/drawingml/2006/main">
+            <a:r>
               <a:rPr lang="en" sz="2000" b="1" dirty="0" err="1" smtClean="0">
                 <a:latin typeface="Segoe UI" panose="020B0502040204020203" pitchFamily="34" charset="0"/>
                 <a:cs typeface="Segoe UI" panose="020B0502040204020203" pitchFamily="34" charset="0"/>
               </a:rPr>
               <a:t>Dashboards</a:t>
             </a:r>
-            <a:endParaRPr xmlns:a="http://schemas.openxmlformats.org/drawingml/2006/main" lang="en-US" sz="2000" b="1" dirty="0">
+            <a:endParaRPr lang="en-US" sz="2000" b="1" dirty="0">
               <a:latin typeface="Segoe UI" panose="020B0502040204020203" pitchFamily="34" charset="0"/>
               <a:cs typeface="Segoe UI" panose="020B0502040204020203" pitchFamily="34" charset="0"/>
             </a:endParaRPr>
@@ -5024,7 +5024,7 @@
           </a:bodyPr>
           <a:lstStyle/>
           <a:p>
-            <a:pPr xmlns:a="http://schemas.openxmlformats.org/drawingml/2006/main" marL="0" marR="0" lvl="0" indent="0" algn="l" defTabSz="914400" rtl="0" eaLnBrk="0" fontAlgn="base" latinLnBrk="0" hangingPunct="0">
+            <a:pPr marL="0" marR="0" lvl="0" indent="0" algn="l" defTabSz="914400" rtl="0" eaLnBrk="0" fontAlgn="base" latinLnBrk="0" hangingPunct="0">
               <a:lnSpc>
                 <a:spcPct val="100000"/>
               </a:lnSpc>
@@ -5040,7 +5040,7 @@
               <a:buNone/>
               <a:tabLst/>
             </a:pPr>
-            <a:r xmlns:a="http://schemas.openxmlformats.org/drawingml/2006/main">
+            <a:r>
               <a:rPr kumimoji="0" lang="en" altLang="en-US" sz="1200" b="0" i="0" u="none" strike="noStrike" cap="none" normalizeH="0" baseline="0" smtClean="0">
                 <a:ln>
                   <a:noFill/>
@@ -5055,7 +5055,7 @@
               </a:rPr>
               <a:t>   </a:t>
             </a:r>
-            <a:endParaRPr xmlns:a="http://schemas.openxmlformats.org/drawingml/2006/main" kumimoji="0" lang="fr-FR" altLang="en-US" sz="1200" b="0" i="0" u="none" strike="noStrike" cap="none" normalizeH="0" baseline="0" smtClean="0">
+            <a:endParaRPr kumimoji="0" lang="fr-FR" altLang="en-US" sz="1200" b="0" i="0" u="none" strike="noStrike" cap="none" normalizeH="0" baseline="0" smtClean="0">
               <a:ln>
                 <a:noFill/>
               </a:ln>
@@ -5214,51 +5214,39 @@
           </a:bodyPr>
           <a:lstStyle/>
           <a:p>
-            <a:r xmlns:a="http://schemas.openxmlformats.org/drawingml/2006/main">
+            <a:r>
               <a:rPr lang="en" sz="2000" b="1" dirty="0" err="1"/>
               <a:t>Existing </a:t>
             </a:r>
-            <a:r xmlns:a="http://schemas.openxmlformats.org/drawingml/2006/main">
+            <a:r>
               <a:rPr lang="en" sz="2000" b="1" dirty="0"/>
               <a:t>Visual </a:t>
             </a:r>
-            <a:r xmlns:a="http://schemas.openxmlformats.org/drawingml/2006/main">
+            <a:r>
               <a:rPr lang="en" sz="2000" dirty="0"/>
-              <a:t>radio button </a:t>
-            </a:r>
-            <a:r xmlns:a="http://schemas.openxmlformats.org/drawingml/2006/main">
-              <a:rPr lang="en" sz="2000" dirty="0"/>
-              <a:t>, then choose the </a:t>
-            </a:r>
-            <a:r xmlns:a="http://schemas.openxmlformats.org/drawingml/2006/main">
-              <a:rPr lang="en" sz="2000" dirty="0"/>
-              <a:t>previously created </a:t>
-            </a:r>
-            <a:r xmlns:a="http://schemas.openxmlformats.org/drawingml/2006/main">
+              <a:t>radio button , then choose the previously created </a:t>
+            </a:r>
+            <a:r>
               <a:rPr lang="en" sz="2000" b="1" dirty="0"/>
-              <a:t>Dashboard from the </a:t>
-            </a:r>
-            <a:r xmlns:a="http://schemas.openxmlformats.org/drawingml/2006/main">
-              <a:rPr lang="en" sz="2000" b="1" dirty="0"/>
-              <a:t>Select </a:t>
-            </a:r>
-            <a:r xmlns:a="http://schemas.openxmlformats.org/drawingml/2006/main">
+              <a:t>Dashboard from the Select </a:t>
+            </a:r>
+            <a:r>
               <a:rPr lang="en" sz="2000" b="1" dirty="0" err="1"/>
               <a:t>existing drop-down list</a:t>
             </a:r>
-            <a:r xmlns:a="http://schemas.openxmlformats.org/drawingml/2006/main">
+            <a:r>
               <a:rPr lang="en" sz="2000" b="1" dirty="0"/>
               <a:t> </a:t>
             </a:r>
-            <a:r xmlns:a="http://schemas.openxmlformats.org/drawingml/2006/main">
+            <a:r>
               <a:rPr lang="en" sz="2000" b="1" dirty="0" err="1"/>
               <a:t>dashboard </a:t>
             </a:r>
-            <a:r xmlns:a="http://schemas.openxmlformats.org/drawingml/2006/main">
+            <a:r>
               <a:rPr lang="en" sz="2000" dirty="0"/>
               <a:t>.</a:t>
             </a:r>
-            <a:endParaRPr xmlns:a="http://schemas.openxmlformats.org/drawingml/2006/main" lang="en-US" sz="2000" dirty="0"/>
+            <a:endParaRPr lang="en-US" sz="2000" dirty="0"/>
           </a:p>
         </p:txBody>
       </p:sp>
@@ -5314,28 +5302,28 @@
           </a:bodyPr>
           <a:lstStyle/>
           <a:p>
-            <a:r xmlns:a="http://schemas.openxmlformats.org/drawingml/2006/main">
+            <a:r>
               <a:rPr lang="en" sz="2000" b="1" dirty="0" err="1" smtClean="0">
                 <a:latin typeface="Segoe UI" panose="020B0502040204020203" pitchFamily="34" charset="0"/>
                 <a:cs typeface="Segoe UI" panose="020B0502040204020203" pitchFamily="34" charset="0"/>
               </a:rPr>
               <a:t>Creating</a:t>
             </a:r>
-            <a:r xmlns:a="http://schemas.openxmlformats.org/drawingml/2006/main">
+            <a:r>
               <a:rPr lang="en" sz="2000" b="1" dirty="0" smtClean="0">
                 <a:latin typeface="Segoe UI" panose="020B0502040204020203" pitchFamily="34" charset="0"/>
                 <a:cs typeface="Segoe UI" panose="020B0502040204020203" pitchFamily="34" charset="0"/>
               </a:rPr>
               <a:t> </a:t>
             </a:r>
-            <a:r xmlns:a="http://schemas.openxmlformats.org/drawingml/2006/main">
+            <a:r>
               <a:rPr lang="en" sz="2000" b="1" dirty="0" err="1" smtClean="0">
                 <a:latin typeface="Segoe UI" panose="020B0502040204020203" pitchFamily="34" charset="0"/>
                 <a:cs typeface="Segoe UI" panose="020B0502040204020203" pitchFamily="34" charset="0"/>
               </a:rPr>
               <a:t>Dashboards</a:t>
             </a:r>
-            <a:endParaRPr xmlns:a="http://schemas.openxmlformats.org/drawingml/2006/main" lang="en-US" sz="2000" b="1" dirty="0">
+            <a:endParaRPr lang="en-US" sz="2000" b="1" dirty="0">
               <a:latin typeface="Segoe UI" panose="020B0502040204020203" pitchFamily="34" charset="0"/>
               <a:cs typeface="Segoe UI" panose="020B0502040204020203" pitchFamily="34" charset="0"/>
             </a:endParaRPr>
@@ -5401,7 +5389,7 @@
           </a:bodyPr>
           <a:lstStyle/>
           <a:p>
-            <a:pPr xmlns:a="http://schemas.openxmlformats.org/drawingml/2006/main" marL="0" marR="0" lvl="0" indent="0" algn="l" defTabSz="914400" rtl="0" eaLnBrk="0" fontAlgn="base" latinLnBrk="0" hangingPunct="0">
+            <a:pPr marL="0" marR="0" lvl="0" indent="0" algn="l" defTabSz="914400" rtl="0" eaLnBrk="0" fontAlgn="base" latinLnBrk="0" hangingPunct="0">
               <a:lnSpc>
                 <a:spcPct val="100000"/>
               </a:lnSpc>
@@ -5417,7 +5405,7 @@
               <a:buNone/>
               <a:tabLst/>
             </a:pPr>
-            <a:r xmlns:a="http://schemas.openxmlformats.org/drawingml/2006/main">
+            <a:r>
               <a:rPr kumimoji="0" lang="en" altLang="en-US" sz="1200" b="0" i="0" u="none" strike="noStrike" cap="none" normalizeH="0" baseline="0" smtClean="0">
                 <a:ln>
                   <a:noFill/>
@@ -5432,7 +5420,7 @@
               </a:rPr>
               <a:t>   </a:t>
             </a:r>
-            <a:endParaRPr xmlns:a="http://schemas.openxmlformats.org/drawingml/2006/main" kumimoji="0" lang="fr-FR" altLang="en-US" sz="1200" b="0" i="0" u="none" strike="noStrike" cap="none" normalizeH="0" baseline="0" smtClean="0">
+            <a:endParaRPr kumimoji="0" lang="fr-FR" altLang="en-US" sz="1200" b="0" i="0" u="none" strike="noStrike" cap="none" normalizeH="0" baseline="0" smtClean="0">
               <a:ln>
                 <a:noFill/>
               </a:ln>
@@ -5598,7 +5586,7 @@
           </a:bodyPr>
           <a:lstStyle/>
           <a:p>
-            <a:r xmlns:a="http://schemas.openxmlformats.org/drawingml/2006/main">
+            <a:r>
               <a:rPr lang="en" sz="1400" b="1" dirty="0" err="1" smtClean="0">
                 <a:latin typeface="Segoe UI" panose="020B0502040204020203" pitchFamily="34" charset="0"/>
                 <a:ea typeface="Calibri" panose="020F0502020204030204" pitchFamily="34" charset="0"/>
@@ -5606,7 +5594,7 @@
               </a:rPr>
               <a:t>Before</a:t>
             </a:r>
-            <a:endParaRPr xmlns:a="http://schemas.openxmlformats.org/drawingml/2006/main" lang="en-US" sz="1400" b="1" dirty="0"/>
+            <a:endParaRPr lang="en-US" sz="1400" b="1" dirty="0"/>
           </a:p>
         </p:txBody>
       </p:sp>
@@ -5631,7 +5619,7 @@
           </a:bodyPr>
           <a:lstStyle/>
           <a:p>
-            <a:r xmlns:a="http://schemas.openxmlformats.org/drawingml/2006/main">
+            <a:r>
               <a:rPr lang="en" sz="1400" b="1" dirty="0" err="1" smtClean="0">
                 <a:latin typeface="Segoe UI" panose="020B0502040204020203" pitchFamily="34" charset="0"/>
                 <a:ea typeface="Calibri" panose="020F0502020204030204" pitchFamily="34" charset="0"/>
@@ -5639,7 +5627,7 @@
               </a:rPr>
               <a:t>After</a:t>
             </a:r>
-            <a:endParaRPr xmlns:a="http://schemas.openxmlformats.org/drawingml/2006/main" lang="en-US" sz="1400" b="1" dirty="0"/>
+            <a:endParaRPr lang="en-US" sz="1400" b="1" dirty="0"/>
           </a:p>
         </p:txBody>
       </p:sp>
@@ -5664,11 +5652,11 @@
           </a:bodyPr>
           <a:lstStyle/>
           <a:p>
-            <a:r xmlns:a="http://schemas.openxmlformats.org/drawingml/2006/main">
+            <a:r>
               <a:rPr lang="en" sz="2000" dirty="0"/>
               <a:t>Continue adding visuals from several other reports.</a:t>
             </a:r>
-            <a:endParaRPr xmlns:a="http://schemas.openxmlformats.org/drawingml/2006/main" lang="en-US" sz="2000" dirty="0"/>
+            <a:endParaRPr lang="en-US" sz="2000" dirty="0"/>
           </a:p>
         </p:txBody>
       </p:sp>
@@ -5693,11 +5681,11 @@
           </a:bodyPr>
           <a:lstStyle/>
           <a:p>
-            <a:r xmlns:a="http://schemas.openxmlformats.org/drawingml/2006/main">
+            <a:r>
               <a:rPr lang="en" sz="2000" dirty="0"/>
               <a:t>Navigate through the menu visible at the top of the screen.</a:t>
             </a:r>
-            <a:endParaRPr xmlns:a="http://schemas.openxmlformats.org/drawingml/2006/main" lang="en-US" sz="2000" dirty="0"/>
+            <a:endParaRPr lang="en-US" sz="2000" dirty="0"/>
           </a:p>
         </p:txBody>
       </p:sp>
